--- a/unit-1-sem-1/calendar.pptx
+++ b/unit-1-sem-1/calendar.pptx
@@ -1,19 +1,19 @@
 
 <file path=ppt/presentation.xml><?xml version="1.0" encoding="utf-8"?>
-<p:presentation xmlns:a="http://schemas.openxmlformats.org/drawingml/2006/main" xmlns:r="http://schemas.openxmlformats.org/officeDocument/2006/relationships" xmlns:p="http://schemas.openxmlformats.org/presentationml/2006/main" xmlns:m="http://schemas.openxmlformats.org/officeDocument/2006/math" xmlns:a14="http://schemas.microsoft.com/office/drawing/2010/main">
+<p:presentation xmlns:a="http://schemas.openxmlformats.org/drawingml/2006/main" xmlns:r="http://schemas.openxmlformats.org/officeDocument/2006/relationships" xmlns:p="http://schemas.openxmlformats.org/presentationml/2006/main">
   <p:sldMasterIdLst>
-    <p:sldMasterId id="2147483648" r:id="rId5"/>
+    <p:sldMasterId id="2147483648" r:id="rId1"/>
   </p:sldMasterIdLst>
   <p:notesMasterIdLst>
-    <p:notesMasterId r:id="rId7"/>
+    <p:notesMasterId r:id="rId5"/>
   </p:notesMasterIdLst>
   <p:sldIdLst>
-    <p:sldId id="256" r:id="rId8"/>
-    <p:sldId id="257" r:id="rId9"/>
-    <p:sldId id="258" r:id="rId10"/>
+    <p:sldId id="259" r:id="rId2"/>
+    <p:sldId id="257" r:id="rId3"/>
+    <p:sldId id="258" r:id="rId4"/>
   </p:sldIdLst>
   <p:sldSz cx="24384000" cy="13716000"/>
-  <p:notesSz cx="6858000" cy="9144000"/>
+  <p:notesSz cx="7104063" cy="10234613"/>
   <p:defaultTextStyle>
     <a:defPPr marL="0" marR="0" indent="0" algn="l" defTabSz="914400" rtl="0" fontAlgn="auto" latinLnBrk="1" hangingPunct="0">
       <a:lnSpc>
@@ -30,7 +30,7 @@
       <a:buFontTx/>
       <a:buNone/>
       <a:tabLst/>
-      <a:defRPr b="0" baseline="0" cap="none" i="0" spc="0" strike="noStrike" sz="1800" u="none" kumimoji="0" normalizeH="0">
+      <a:defRPr kumimoji="0" sz="1800" b="0" i="0" u="none" strike="noStrike" cap="none" spc="0" normalizeH="0" baseline="0">
         <a:ln>
           <a:noFill/>
         </a:ln>
@@ -56,7 +56,7 @@
       <a:buFontTx/>
       <a:buNone/>
       <a:tabLst/>
-      <a:defRPr b="0" baseline="0" cap="none" i="0" spc="0" strike="noStrike" sz="2000" u="none" kumimoji="0" normalizeH="0">
+      <a:defRPr kumimoji="0" sz="2000" b="0" i="0" u="none" strike="noStrike" cap="none" spc="0" normalizeH="0" baseline="0">
         <a:ln>
           <a:noFill/>
         </a:ln>
@@ -86,7 +86,7 @@
       <a:buFontTx/>
       <a:buNone/>
       <a:tabLst/>
-      <a:defRPr b="0" baseline="0" cap="none" i="0" spc="0" strike="noStrike" sz="2000" u="none" kumimoji="0" normalizeH="0">
+      <a:defRPr kumimoji="0" sz="2000" b="0" i="0" u="none" strike="noStrike" cap="none" spc="0" normalizeH="0" baseline="0">
         <a:ln>
           <a:noFill/>
         </a:ln>
@@ -116,7 +116,7 @@
       <a:buFontTx/>
       <a:buNone/>
       <a:tabLst/>
-      <a:defRPr b="0" baseline="0" cap="none" i="0" spc="0" strike="noStrike" sz="2000" u="none" kumimoji="0" normalizeH="0">
+      <a:defRPr kumimoji="0" sz="2000" b="0" i="0" u="none" strike="noStrike" cap="none" spc="0" normalizeH="0" baseline="0">
         <a:ln>
           <a:noFill/>
         </a:ln>
@@ -146,7 +146,7 @@
       <a:buFontTx/>
       <a:buNone/>
       <a:tabLst/>
-      <a:defRPr b="0" baseline="0" cap="none" i="0" spc="0" strike="noStrike" sz="2000" u="none" kumimoji="0" normalizeH="0">
+      <a:defRPr kumimoji="0" sz="2000" b="0" i="0" u="none" strike="noStrike" cap="none" spc="0" normalizeH="0" baseline="0">
         <a:ln>
           <a:noFill/>
         </a:ln>
@@ -176,7 +176,7 @@
       <a:buFontTx/>
       <a:buNone/>
       <a:tabLst/>
-      <a:defRPr b="0" baseline="0" cap="none" i="0" spc="0" strike="noStrike" sz="2000" u="none" kumimoji="0" normalizeH="0">
+      <a:defRPr kumimoji="0" sz="2000" b="0" i="0" u="none" strike="noStrike" cap="none" spc="0" normalizeH="0" baseline="0">
         <a:ln>
           <a:noFill/>
         </a:ln>
@@ -206,7 +206,7 @@
       <a:buFontTx/>
       <a:buNone/>
       <a:tabLst/>
-      <a:defRPr b="0" baseline="0" cap="none" i="0" spc="0" strike="noStrike" sz="2000" u="none" kumimoji="0" normalizeH="0">
+      <a:defRPr kumimoji="0" sz="2000" b="0" i="0" u="none" strike="noStrike" cap="none" spc="0" normalizeH="0" baseline="0">
         <a:ln>
           <a:noFill/>
         </a:ln>
@@ -236,7 +236,7 @@
       <a:buFontTx/>
       <a:buNone/>
       <a:tabLst/>
-      <a:defRPr b="0" baseline="0" cap="none" i="0" spc="0" strike="noStrike" sz="2000" u="none" kumimoji="0" normalizeH="0">
+      <a:defRPr kumimoji="0" sz="2000" b="0" i="0" u="none" strike="noStrike" cap="none" spc="0" normalizeH="0" baseline="0">
         <a:ln>
           <a:noFill/>
         </a:ln>
@@ -266,7 +266,7 @@
       <a:buFontTx/>
       <a:buNone/>
       <a:tabLst/>
-      <a:defRPr b="0" baseline="0" cap="none" i="0" spc="0" strike="noStrike" sz="2000" u="none" kumimoji="0" normalizeH="0">
+      <a:defRPr kumimoji="0" sz="2000" b="0" i="0" u="none" strike="noStrike" cap="none" spc="0" normalizeH="0" baseline="0">
         <a:ln>
           <a:noFill/>
         </a:ln>
@@ -296,7 +296,7 @@
       <a:buFontTx/>
       <a:buNone/>
       <a:tabLst/>
-      <a:defRPr b="0" baseline="0" cap="none" i="0" spc="0" strike="noStrike" sz="2000" u="none" kumimoji="0" normalizeH="0">
+      <a:defRPr kumimoji="0" sz="2000" b="0" i="0" u="none" strike="noStrike" cap="none" spc="0" normalizeH="0" baseline="0">
         <a:ln>
           <a:noFill/>
         </a:ln>
@@ -312,16 +312,33 @@
       </a:defRPr>
     </a:lvl9pPr>
   </p:defaultTextStyle>
+  <p:extLst>
+    <p:ext uri="{EFAFB233-063F-42B5-8137-9DF3F51BA10A}">
+      <p15:sldGuideLst xmlns:p15="http://schemas.microsoft.com/office/powerpoint/2012/main">
+        <p15:guide id="1" orient="horz" pos="4320" userDrawn="1">
+          <p15:clr>
+            <a:srgbClr val="A4A3A4"/>
+          </p15:clr>
+        </p15:guide>
+        <p15:guide id="2" pos="7680" userDrawn="1">
+          <p15:clr>
+            <a:srgbClr val="A4A3A4"/>
+          </p15:clr>
+        </p15:guide>
+      </p15:sldGuideLst>
+    </p:ext>
+  </p:extLst>
 </p:presentation>
 </file>
 
-<file path=ppt/commentAuthors.xml><?xml version="1.0" encoding="utf-8"?>
-<p:cmAuthorLst xmlns:a="http://schemas.openxmlformats.org/drawingml/2006/main" xmlns:r="http://schemas.openxmlformats.org/officeDocument/2006/relationships" xmlns:p="http://schemas.openxmlformats.org/presentationml/2006/main" xmlns:m="http://schemas.openxmlformats.org/officeDocument/2006/math" xmlns:a14="http://schemas.microsoft.com/office/drawing/2010/main"/>
-</file>
-
 <file path=ppt/notesMasters/notesMaster1.xml><?xml version="1.0" encoding="utf-8"?>
-<p:notesMaster xmlns:a="http://schemas.openxmlformats.org/drawingml/2006/main" xmlns:r="http://schemas.openxmlformats.org/officeDocument/2006/relationships" xmlns:p="http://schemas.openxmlformats.org/presentationml/2006/main" xmlns:m="http://schemas.openxmlformats.org/officeDocument/2006/math" xmlns:a14="http://schemas.microsoft.com/office/drawing/2010/main">
+<p:notesMaster xmlns:a="http://schemas.openxmlformats.org/drawingml/2006/main" xmlns:r="http://schemas.openxmlformats.org/officeDocument/2006/relationships" xmlns:p="http://schemas.openxmlformats.org/presentationml/2006/main">
   <p:cSld>
+    <p:bg>
+      <p:bgRef idx="1001">
+        <a:schemeClr val="bg1"/>
+      </p:bgRef>
+    </p:bg>
     <p:spTree>
       <p:nvGrpSpPr>
         <p:cNvPr id="1" name=""/>
@@ -339,50 +356,54 @@
       <p:sp>
         <p:nvSpPr>
           <p:cNvPr id="157" name="Shape 157"/>
-          <p:cNvSpPr/>
+          <p:cNvSpPr>
+            <a:spLocks noGrp="1" noRot="1" noChangeAspect="1"/>
+          </p:cNvSpPr>
           <p:nvPr>
             <p:ph type="sldImg"/>
           </p:nvPr>
         </p:nvSpPr>
         <p:spPr>
           <a:xfrm>
-            <a:off x="1143000" y="685800"/>
-            <a:ext cx="4572000" cy="3429000"/>
+            <a:off x="142875" y="768350"/>
+            <a:ext cx="6818313" cy="3836988"/>
           </a:xfrm>
           <a:prstGeom prst="rect">
             <a:avLst/>
           </a:prstGeom>
         </p:spPr>
         <p:txBody>
-          <a:bodyPr/>
+          <a:bodyPr lIns="99075" tIns="49538" rIns="99075" bIns="49538"/>
           <a:lstStyle/>
           <a:p>
-            <a:pPr/>
+            <a:endParaRPr/>
           </a:p>
         </p:txBody>
       </p:sp>
       <p:sp>
         <p:nvSpPr>
           <p:cNvPr id="158" name="Shape 158"/>
-          <p:cNvSpPr/>
+          <p:cNvSpPr>
+            <a:spLocks noGrp="1"/>
+          </p:cNvSpPr>
           <p:nvPr>
             <p:ph type="body" sz="quarter" idx="1"/>
           </p:nvPr>
         </p:nvSpPr>
         <p:spPr>
           <a:xfrm>
-            <a:off x="914400" y="4343400"/>
-            <a:ext cx="5029200" cy="4114800"/>
+            <a:off x="947209" y="4861441"/>
+            <a:ext cx="5209646" cy="4605576"/>
           </a:xfrm>
           <a:prstGeom prst="rect">
             <a:avLst/>
           </a:prstGeom>
         </p:spPr>
         <p:txBody>
-          <a:bodyPr/>
+          <a:bodyPr lIns="99075" tIns="49538" rIns="99075" bIns="49538"/>
           <a:lstStyle/>
           <a:p>
-            <a:pPr/>
+            <a:endParaRPr/>
           </a:p>
         </p:txBody>
       </p:sp>
@@ -494,7 +515,7 @@
 </file>
 
 <file path=ppt/slideLayouts/slideLayout1.xml><?xml version="1.0" encoding="utf-8"?>
-<p:sldLayout xmlns:a="http://schemas.openxmlformats.org/drawingml/2006/main" xmlns:r="http://schemas.openxmlformats.org/officeDocument/2006/relationships" xmlns:p="http://schemas.openxmlformats.org/presentationml/2006/main" xmlns:m="http://schemas.openxmlformats.org/officeDocument/2006/math" xmlns:a14="http://schemas.microsoft.com/office/drawing/2010/main" type="title" showMasterSp="1" showMasterPhAnim="1">
+<p:sldLayout xmlns:a="http://schemas.openxmlformats.org/drawingml/2006/main" xmlns:r="http://schemas.openxmlformats.org/officeDocument/2006/relationships" xmlns:p="http://schemas.openxmlformats.org/presentationml/2006/main" type="title">
   <p:cSld name="Title">
     <p:spTree>
       <p:nvGrpSpPr>
@@ -513,7 +534,9 @@
       <p:sp>
         <p:nvSpPr>
           <p:cNvPr id="11" name="Author and Date"/>
-          <p:cNvSpPr txBox="1"/>
+          <p:cNvSpPr txBox="1">
+            <a:spLocks noGrp="1"/>
+          </p:cNvSpPr>
           <p:nvPr>
             <p:ph type="body" sz="quarter" idx="21" hasCustomPrompt="1"/>
           </p:nvPr>
@@ -529,7 +552,7 @@
         </p:spPr>
         <p:txBody>
           <a:bodyPr lIns="14466" tIns="14466" rIns="14466" bIns="14466">
-            <a:normAutofit fontScale="100000" lnSpcReduction="0"/>
+            <a:normAutofit/>
           </a:bodyPr>
           <a:lstStyle>
             <a:lvl1pPr marL="0" indent="0" defTabSz="330200">
@@ -538,11 +561,10 @@
               </a:spcBef>
               <a:buSzTx/>
               <a:buNone/>
-              <a:defRPr b="1" sz="1360"/>
+              <a:defRPr sz="1360" b="1"/>
             </a:lvl1pPr>
           </a:lstStyle>
           <a:p>
-            <a:pPr/>
             <a:r>
               <a:t>Author and Date</a:t>
             </a:r>
@@ -552,7 +574,9 @@
       <p:sp>
         <p:nvSpPr>
           <p:cNvPr id="12" name="Presentation Title"/>
-          <p:cNvSpPr txBox="1"/>
+          <p:cNvSpPr txBox="1">
+            <a:spLocks noGrp="1"/>
+          </p:cNvSpPr>
           <p:nvPr>
             <p:ph type="title" hasCustomPrompt="1"/>
           </p:nvPr>
@@ -568,14 +592,14 @@
         </p:spPr>
         <p:txBody>
           <a:bodyPr lIns="16073" tIns="16073" rIns="16073" bIns="16073">
-            <a:normAutofit fontScale="100000" lnSpcReduction="0"/>
+            <a:normAutofit/>
           </a:bodyPr>
           <a:lstStyle>
             <a:lvl1pPr defTabSz="2438339">
               <a:lnSpc>
                 <a:spcPct val="80000"/>
               </a:lnSpc>
-              <a:defRPr b="1" spc="-228" sz="11400">
+              <a:defRPr sz="11400" b="1" spc="-228">
                 <a:latin typeface="+mn-lt"/>
                 <a:ea typeface="+mn-ea"/>
                 <a:cs typeface="+mn-cs"/>
@@ -584,7 +608,6 @@
             </a:lvl1pPr>
           </a:lstStyle>
           <a:p>
-            <a:pPr/>
             <a:r>
               <a:t>Presentation Title</a:t>
             </a:r>
@@ -594,7 +617,9 @@
       <p:sp>
         <p:nvSpPr>
           <p:cNvPr id="13" name="Body Level One…"/>
-          <p:cNvSpPr txBox="1"/>
+          <p:cNvSpPr txBox="1">
+            <a:spLocks noGrp="1"/>
+          </p:cNvSpPr>
           <p:nvPr>
             <p:ph type="body" sz="quarter" idx="1" hasCustomPrompt="1"/>
           </p:nvPr>
@@ -610,7 +635,7 @@
         </p:spPr>
         <p:txBody>
           <a:bodyPr lIns="16073" tIns="16073" rIns="16073" bIns="16073">
-            <a:normAutofit fontScale="100000" lnSpcReduction="0"/>
+            <a:normAutofit/>
           </a:bodyPr>
           <a:lstStyle>
             <a:lvl1pPr marL="0" indent="0" defTabSz="825500">
@@ -619,7 +644,7 @@
               </a:spcBef>
               <a:buSzTx/>
               <a:buNone/>
-              <a:defRPr b="1" sz="5400"/>
+              <a:defRPr sz="5400" b="1"/>
             </a:lvl1pPr>
             <a:lvl2pPr marL="0" indent="457200" defTabSz="825500">
               <a:spcBef>
@@ -627,7 +652,7 @@
               </a:spcBef>
               <a:buSzTx/>
               <a:buNone/>
-              <a:defRPr b="1" sz="5400"/>
+              <a:defRPr sz="5400" b="1"/>
             </a:lvl2pPr>
             <a:lvl3pPr marL="0" indent="914400" defTabSz="825500">
               <a:spcBef>
@@ -635,7 +660,7 @@
               </a:spcBef>
               <a:buSzTx/>
               <a:buNone/>
-              <a:defRPr b="1" sz="5400"/>
+              <a:defRPr sz="5400" b="1"/>
             </a:lvl3pPr>
             <a:lvl4pPr marL="0" indent="1371600" defTabSz="825500">
               <a:spcBef>
@@ -643,7 +668,7 @@
               </a:spcBef>
               <a:buSzTx/>
               <a:buNone/>
-              <a:defRPr b="1" sz="5400"/>
+              <a:defRPr sz="5400" b="1"/>
             </a:lvl4pPr>
             <a:lvl5pPr marL="0" indent="1828800" defTabSz="825500">
               <a:spcBef>
@@ -651,45 +676,38 @@
               </a:spcBef>
               <a:buSzTx/>
               <a:buNone/>
-              <a:defRPr b="1" sz="5400"/>
+              <a:defRPr sz="5400" b="1"/>
             </a:lvl5pPr>
           </a:lstStyle>
           <a:p>
-            <a:pPr/>
             <a:r>
               <a:t>Presentation Subtitle</a:t>
             </a:r>
           </a:p>
           <a:p>
             <a:pPr lvl="1"/>
-            <a:r>
-              <a:t/>
-            </a:r>
+            <a:endParaRPr/>
           </a:p>
           <a:p>
             <a:pPr lvl="2"/>
-            <a:r>
-              <a:t/>
-            </a:r>
+            <a:endParaRPr/>
           </a:p>
           <a:p>
             <a:pPr lvl="3"/>
-            <a:r>
-              <a:t/>
-            </a:r>
+            <a:endParaRPr/>
           </a:p>
           <a:p>
             <a:pPr lvl="4"/>
-            <a:r>
-              <a:t/>
-            </a:r>
+            <a:endParaRPr/>
           </a:p>
         </p:txBody>
       </p:sp>
       <p:sp>
         <p:nvSpPr>
           <p:cNvPr id="14" name="Slide Number"/>
-          <p:cNvSpPr txBox="1"/>
+          <p:cNvSpPr txBox="1">
+            <a:spLocks noGrp="1"/>
+          </p:cNvSpPr>
           <p:nvPr>
             <p:ph type="sldNum" sz="quarter" idx="2"/>
           </p:nvPr>
@@ -711,8 +729,10 @@
             </a:lvl1pPr>
           </a:lstStyle>
           <a:p>
-            <a:pPr/>
-            <a:fld id="{86CB4B4D-7CA3-9044-876B-883B54F8677D}" type="slidenum"/>
+            <a:fld id="{86CB4B4D-7CA3-9044-876B-883B54F8677D}" type="slidenum">
+              <a:t>‹#›</a:t>
+            </a:fld>
+            <a:endParaRPr/>
           </a:p>
         </p:txBody>
       </p:sp>
@@ -721,12 +741,12 @@
   <p:clrMapOvr>
     <a:masterClrMapping/>
   </p:clrMapOvr>
-  <p:transition xmlns:p14="http://schemas.microsoft.com/office/powerpoint/2010/main" spd="med" advClick="1"/>
+  <p:transition spd="med"/>
 </p:sldLayout>
 </file>
 
 <file path=ppt/slideLayouts/slideLayout10.xml><?xml version="1.0" encoding="utf-8"?>
-<p:sldLayout xmlns:a="http://schemas.openxmlformats.org/drawingml/2006/main" xmlns:r="http://schemas.openxmlformats.org/officeDocument/2006/relationships" xmlns:p="http://schemas.openxmlformats.org/presentationml/2006/main" xmlns:m="http://schemas.openxmlformats.org/officeDocument/2006/math" xmlns:a14="http://schemas.microsoft.com/office/drawing/2010/main" type="tx" showMasterSp="1" showMasterPhAnim="1">
+<p:sldLayout xmlns:a="http://schemas.openxmlformats.org/drawingml/2006/main" xmlns:r="http://schemas.openxmlformats.org/officeDocument/2006/relationships" xmlns:p="http://schemas.openxmlformats.org/presentationml/2006/main" type="tx">
   <p:cSld name="Statement">
     <p:spTree>
       <p:nvGrpSpPr>
@@ -745,7 +765,9 @@
       <p:sp>
         <p:nvSpPr>
           <p:cNvPr id="98" name="Body Level One…"/>
-          <p:cNvSpPr txBox="1"/>
+          <p:cNvSpPr txBox="1">
+            <a:spLocks noGrp="1"/>
+          </p:cNvSpPr>
           <p:nvPr>
             <p:ph type="body" sz="quarter" idx="1" hasCustomPrompt="1"/>
           </p:nvPr>
@@ -761,7 +783,7 @@
         </p:spPr>
         <p:txBody>
           <a:bodyPr lIns="16073" tIns="16073" rIns="16073" bIns="16073" anchor="ctr">
-            <a:normAutofit fontScale="100000" lnSpcReduction="0"/>
+            <a:normAutofit/>
           </a:bodyPr>
           <a:lstStyle>
             <a:lvl1pPr marL="0" indent="0" algn="ctr" defTabSz="2438339">
@@ -773,7 +795,7 @@
               </a:spcBef>
               <a:buSzTx/>
               <a:buNone/>
-              <a:defRPr spc="-228" sz="11400">
+              <a:defRPr sz="11400" spc="-228">
                 <a:latin typeface="Helvetica Neue Medium"/>
                 <a:ea typeface="Helvetica Neue Medium"/>
                 <a:cs typeface="Helvetica Neue Medium"/>
@@ -789,7 +811,7 @@
               </a:spcBef>
               <a:buSzTx/>
               <a:buNone/>
-              <a:defRPr spc="-228" sz="11400">
+              <a:defRPr sz="11400" spc="-228">
                 <a:latin typeface="Helvetica Neue Medium"/>
                 <a:ea typeface="Helvetica Neue Medium"/>
                 <a:cs typeface="Helvetica Neue Medium"/>
@@ -805,7 +827,7 @@
               </a:spcBef>
               <a:buSzTx/>
               <a:buNone/>
-              <a:defRPr spc="-228" sz="11400">
+              <a:defRPr sz="11400" spc="-228">
                 <a:latin typeface="Helvetica Neue Medium"/>
                 <a:ea typeface="Helvetica Neue Medium"/>
                 <a:cs typeface="Helvetica Neue Medium"/>
@@ -821,7 +843,7 @@
               </a:spcBef>
               <a:buSzTx/>
               <a:buNone/>
-              <a:defRPr spc="-228" sz="11400">
+              <a:defRPr sz="11400" spc="-228">
                 <a:latin typeface="Helvetica Neue Medium"/>
                 <a:ea typeface="Helvetica Neue Medium"/>
                 <a:cs typeface="Helvetica Neue Medium"/>
@@ -837,7 +859,7 @@
               </a:spcBef>
               <a:buSzTx/>
               <a:buNone/>
-              <a:defRPr spc="-228" sz="11400">
+              <a:defRPr sz="11400" spc="-228">
                 <a:latin typeface="Helvetica Neue Medium"/>
                 <a:ea typeface="Helvetica Neue Medium"/>
                 <a:cs typeface="Helvetica Neue Medium"/>
@@ -846,41 +868,34 @@
             </a:lvl5pPr>
           </a:lstStyle>
           <a:p>
-            <a:pPr/>
             <a:r>
               <a:t>Statement</a:t>
             </a:r>
           </a:p>
           <a:p>
             <a:pPr lvl="1"/>
-            <a:r>
-              <a:t/>
-            </a:r>
+            <a:endParaRPr/>
           </a:p>
           <a:p>
             <a:pPr lvl="2"/>
-            <a:r>
-              <a:t/>
-            </a:r>
+            <a:endParaRPr/>
           </a:p>
           <a:p>
             <a:pPr lvl="3"/>
-            <a:r>
-              <a:t/>
-            </a:r>
+            <a:endParaRPr/>
           </a:p>
           <a:p>
             <a:pPr lvl="4"/>
-            <a:r>
-              <a:t/>
-            </a:r>
+            <a:endParaRPr/>
           </a:p>
         </p:txBody>
       </p:sp>
       <p:sp>
         <p:nvSpPr>
           <p:cNvPr id="99" name="Slide Number"/>
-          <p:cNvSpPr txBox="1"/>
+          <p:cNvSpPr txBox="1">
+            <a:spLocks noGrp="1"/>
+          </p:cNvSpPr>
           <p:nvPr>
             <p:ph type="sldNum" sz="quarter" idx="2"/>
           </p:nvPr>
@@ -902,8 +917,10 @@
             </a:lvl1pPr>
           </a:lstStyle>
           <a:p>
-            <a:pPr/>
-            <a:fld id="{86CB4B4D-7CA3-9044-876B-883B54F8677D}" type="slidenum"/>
+            <a:fld id="{86CB4B4D-7CA3-9044-876B-883B54F8677D}" type="slidenum">
+              <a:t>‹#›</a:t>
+            </a:fld>
+            <a:endParaRPr/>
           </a:p>
         </p:txBody>
       </p:sp>
@@ -912,12 +929,12 @@
   <p:clrMapOvr>
     <a:masterClrMapping/>
   </p:clrMapOvr>
-  <p:transition xmlns:p14="http://schemas.microsoft.com/office/powerpoint/2010/main" spd="med" advClick="1"/>
+  <p:transition spd="med"/>
 </p:sldLayout>
 </file>
 
 <file path=ppt/slideLayouts/slideLayout11.xml><?xml version="1.0" encoding="utf-8"?>
-<p:sldLayout xmlns:a="http://schemas.openxmlformats.org/drawingml/2006/main" xmlns:r="http://schemas.openxmlformats.org/officeDocument/2006/relationships" xmlns:p="http://schemas.openxmlformats.org/presentationml/2006/main" xmlns:m="http://schemas.openxmlformats.org/officeDocument/2006/math" xmlns:a14="http://schemas.microsoft.com/office/drawing/2010/main" type="tx" showMasterSp="1" showMasterPhAnim="1">
+<p:sldLayout xmlns:a="http://schemas.openxmlformats.org/drawingml/2006/main" xmlns:r="http://schemas.openxmlformats.org/officeDocument/2006/relationships" xmlns:p="http://schemas.openxmlformats.org/presentationml/2006/main" type="tx">
   <p:cSld name="Big Fact">
     <p:spTree>
       <p:nvGrpSpPr>
@@ -936,7 +953,9 @@
       <p:sp>
         <p:nvSpPr>
           <p:cNvPr id="106" name="Body Level One…"/>
-          <p:cNvSpPr txBox="1"/>
+          <p:cNvSpPr txBox="1">
+            <a:spLocks noGrp="1"/>
+          </p:cNvSpPr>
           <p:nvPr>
             <p:ph type="body" sz="quarter" idx="1" hasCustomPrompt="1"/>
           </p:nvPr>
@@ -952,7 +971,7 @@
         </p:spPr>
         <p:txBody>
           <a:bodyPr lIns="16073" tIns="16073" rIns="16073" bIns="16073" anchor="b">
-            <a:normAutofit fontScale="100000" lnSpcReduction="0"/>
+            <a:normAutofit/>
           </a:bodyPr>
           <a:lstStyle>
             <a:lvl1pPr marL="0" indent="0" algn="ctr" defTabSz="2438339">
@@ -964,7 +983,7 @@
               </a:spcBef>
               <a:buSzTx/>
               <a:buNone/>
-              <a:defRPr b="1" spc="-248" sz="24800"/>
+              <a:defRPr sz="24800" b="1" spc="-248"/>
             </a:lvl1pPr>
             <a:lvl2pPr marL="0" indent="457200" algn="ctr" defTabSz="2438339">
               <a:lnSpc>
@@ -975,7 +994,7 @@
               </a:spcBef>
               <a:buSzTx/>
               <a:buNone/>
-              <a:defRPr b="1" spc="-248" sz="24800"/>
+              <a:defRPr sz="24800" b="1" spc="-248"/>
             </a:lvl2pPr>
             <a:lvl3pPr marL="0" indent="914400" algn="ctr" defTabSz="2438339">
               <a:lnSpc>
@@ -986,7 +1005,7 @@
               </a:spcBef>
               <a:buSzTx/>
               <a:buNone/>
-              <a:defRPr b="1" spc="-248" sz="24800"/>
+              <a:defRPr sz="24800" b="1" spc="-248"/>
             </a:lvl3pPr>
             <a:lvl4pPr marL="0" indent="1371600" algn="ctr" defTabSz="2438339">
               <a:lnSpc>
@@ -997,7 +1016,7 @@
               </a:spcBef>
               <a:buSzTx/>
               <a:buNone/>
-              <a:defRPr b="1" spc="-248" sz="24800"/>
+              <a:defRPr sz="24800" b="1" spc="-248"/>
             </a:lvl4pPr>
             <a:lvl5pPr marL="0" indent="1828800" algn="ctr" defTabSz="2438339">
               <a:lnSpc>
@@ -1008,45 +1027,38 @@
               </a:spcBef>
               <a:buSzTx/>
               <a:buNone/>
-              <a:defRPr b="1" spc="-248" sz="24800"/>
+              <a:defRPr sz="24800" b="1" spc="-248"/>
             </a:lvl5pPr>
           </a:lstStyle>
           <a:p>
-            <a:pPr/>
             <a:r>
               <a:t>100%</a:t>
             </a:r>
           </a:p>
           <a:p>
             <a:pPr lvl="1"/>
-            <a:r>
-              <a:t/>
-            </a:r>
+            <a:endParaRPr/>
           </a:p>
           <a:p>
             <a:pPr lvl="2"/>
-            <a:r>
-              <a:t/>
-            </a:r>
+            <a:endParaRPr/>
           </a:p>
           <a:p>
             <a:pPr lvl="3"/>
-            <a:r>
-              <a:t/>
-            </a:r>
+            <a:endParaRPr/>
           </a:p>
           <a:p>
             <a:pPr lvl="4"/>
-            <a:r>
-              <a:t/>
-            </a:r>
+            <a:endParaRPr/>
           </a:p>
         </p:txBody>
       </p:sp>
       <p:sp>
         <p:nvSpPr>
           <p:cNvPr id="107" name="Fact information"/>
-          <p:cNvSpPr txBox="1"/>
+          <p:cNvSpPr txBox="1">
+            <a:spLocks noGrp="1"/>
+          </p:cNvSpPr>
           <p:nvPr>
             <p:ph type="body" sz="quarter" idx="21" hasCustomPrompt="1"/>
           </p:nvPr>
@@ -1062,7 +1074,7 @@
         </p:spPr>
         <p:txBody>
           <a:bodyPr lIns="14466" tIns="14466" rIns="14466" bIns="14466">
-            <a:normAutofit fontScale="100000" lnSpcReduction="0"/>
+            <a:normAutofit/>
           </a:bodyPr>
           <a:lstStyle>
             <a:lvl1pPr marL="0" indent="0" algn="ctr" defTabSz="330200">
@@ -1071,11 +1083,10 @@
               </a:spcBef>
               <a:buSzTx/>
               <a:buNone/>
-              <a:defRPr b="1" sz="2160"/>
+              <a:defRPr sz="2160" b="1"/>
             </a:lvl1pPr>
           </a:lstStyle>
           <a:p>
-            <a:pPr/>
             <a:r>
               <a:t>Fact information</a:t>
             </a:r>
@@ -1085,7 +1096,9 @@
       <p:sp>
         <p:nvSpPr>
           <p:cNvPr id="108" name="Slide Number"/>
-          <p:cNvSpPr txBox="1"/>
+          <p:cNvSpPr txBox="1">
+            <a:spLocks noGrp="1"/>
+          </p:cNvSpPr>
           <p:nvPr>
             <p:ph type="sldNum" sz="quarter" idx="2"/>
           </p:nvPr>
@@ -1107,8 +1120,10 @@
             </a:lvl1pPr>
           </a:lstStyle>
           <a:p>
-            <a:pPr/>
-            <a:fld id="{86CB4B4D-7CA3-9044-876B-883B54F8677D}" type="slidenum"/>
+            <a:fld id="{86CB4B4D-7CA3-9044-876B-883B54F8677D}" type="slidenum">
+              <a:t>‹#›</a:t>
+            </a:fld>
+            <a:endParaRPr/>
           </a:p>
         </p:txBody>
       </p:sp>
@@ -1117,12 +1132,12 @@
   <p:clrMapOvr>
     <a:masterClrMapping/>
   </p:clrMapOvr>
-  <p:transition xmlns:p14="http://schemas.microsoft.com/office/powerpoint/2010/main" spd="med" advClick="1"/>
+  <p:transition spd="med"/>
 </p:sldLayout>
 </file>
 
 <file path=ppt/slideLayouts/slideLayout12.xml><?xml version="1.0" encoding="utf-8"?>
-<p:sldLayout xmlns:a="http://schemas.openxmlformats.org/drawingml/2006/main" xmlns:r="http://schemas.openxmlformats.org/officeDocument/2006/relationships" xmlns:p="http://schemas.openxmlformats.org/presentationml/2006/main" xmlns:m="http://schemas.openxmlformats.org/officeDocument/2006/math" xmlns:a14="http://schemas.microsoft.com/office/drawing/2010/main" type="tx" showMasterSp="1" showMasterPhAnim="1">
+<p:sldLayout xmlns:a="http://schemas.openxmlformats.org/drawingml/2006/main" xmlns:r="http://schemas.openxmlformats.org/officeDocument/2006/relationships" xmlns:p="http://schemas.openxmlformats.org/presentationml/2006/main" type="tx">
   <p:cSld name="Quote">
     <p:spTree>
       <p:nvGrpSpPr>
@@ -1141,7 +1156,9 @@
       <p:sp>
         <p:nvSpPr>
           <p:cNvPr id="115" name="Attribution"/>
-          <p:cNvSpPr txBox="1"/>
+          <p:cNvSpPr txBox="1">
+            <a:spLocks noGrp="1"/>
+          </p:cNvSpPr>
           <p:nvPr>
             <p:ph type="body" sz="quarter" idx="21" hasCustomPrompt="1"/>
           </p:nvPr>
@@ -1157,7 +1174,7 @@
         </p:spPr>
         <p:txBody>
           <a:bodyPr lIns="14466" tIns="14466" rIns="14466" bIns="14466">
-            <a:normAutofit fontScale="100000" lnSpcReduction="0"/>
+            <a:normAutofit/>
           </a:bodyPr>
           <a:lstStyle>
             <a:lvl1pPr marL="0" indent="0" defTabSz="330200">
@@ -1166,11 +1183,10 @@
               </a:spcBef>
               <a:buSzTx/>
               <a:buNone/>
-              <a:defRPr b="1" sz="1360"/>
+              <a:defRPr sz="1360" b="1"/>
             </a:lvl1pPr>
           </a:lstStyle>
           <a:p>
-            <a:pPr/>
             <a:r>
               <a:t>Attribution</a:t>
             </a:r>
@@ -1180,7 +1196,9 @@
       <p:sp>
         <p:nvSpPr>
           <p:cNvPr id="116" name="Body Level One…"/>
-          <p:cNvSpPr txBox="1"/>
+          <p:cNvSpPr txBox="1">
+            <a:spLocks noGrp="1"/>
+          </p:cNvSpPr>
           <p:nvPr>
             <p:ph type="body" sz="quarter" idx="1" hasCustomPrompt="1"/>
           </p:nvPr>
@@ -1196,7 +1214,7 @@
         </p:spPr>
         <p:txBody>
           <a:bodyPr lIns="16073" tIns="16073" rIns="16073" bIns="16073">
-            <a:normAutofit fontScale="100000" lnSpcReduction="0"/>
+            <a:normAutofit/>
           </a:bodyPr>
           <a:lstStyle>
             <a:lvl1pPr marL="638923" indent="-469900" defTabSz="2438339">
@@ -1208,7 +1226,7 @@
               </a:spcBef>
               <a:buSzTx/>
               <a:buNone/>
-              <a:defRPr spc="-164" sz="8200">
+              <a:defRPr sz="8200" spc="-164">
                 <a:latin typeface="Helvetica Neue Medium"/>
                 <a:ea typeface="Helvetica Neue Medium"/>
                 <a:cs typeface="Helvetica Neue Medium"/>
@@ -1224,7 +1242,7 @@
               </a:spcBef>
               <a:buSzTx/>
               <a:buNone/>
-              <a:defRPr spc="-164" sz="8200">
+              <a:defRPr sz="8200" spc="-164">
                 <a:latin typeface="Helvetica Neue Medium"/>
                 <a:ea typeface="Helvetica Neue Medium"/>
                 <a:cs typeface="Helvetica Neue Medium"/>
@@ -1240,7 +1258,7 @@
               </a:spcBef>
               <a:buSzTx/>
               <a:buNone/>
-              <a:defRPr spc="-164" sz="8200">
+              <a:defRPr sz="8200" spc="-164">
                 <a:latin typeface="Helvetica Neue Medium"/>
                 <a:ea typeface="Helvetica Neue Medium"/>
                 <a:cs typeface="Helvetica Neue Medium"/>
@@ -1256,7 +1274,7 @@
               </a:spcBef>
               <a:buSzTx/>
               <a:buNone/>
-              <a:defRPr spc="-164" sz="8200">
+              <a:defRPr sz="8200" spc="-164">
                 <a:latin typeface="Helvetica Neue Medium"/>
                 <a:ea typeface="Helvetica Neue Medium"/>
                 <a:cs typeface="Helvetica Neue Medium"/>
@@ -1272,7 +1290,7 @@
               </a:spcBef>
               <a:buSzTx/>
               <a:buNone/>
-              <a:defRPr spc="-164" sz="8200">
+              <a:defRPr sz="8200" spc="-164">
                 <a:latin typeface="Helvetica Neue Medium"/>
                 <a:ea typeface="Helvetica Neue Medium"/>
                 <a:cs typeface="Helvetica Neue Medium"/>
@@ -1281,41 +1299,34 @@
             </a:lvl5pPr>
           </a:lstStyle>
           <a:p>
-            <a:pPr/>
             <a:r>
               <a:t>“Notable Quote”</a:t>
             </a:r>
           </a:p>
           <a:p>
             <a:pPr lvl="1"/>
-            <a:r>
-              <a:t/>
-            </a:r>
+            <a:endParaRPr/>
           </a:p>
           <a:p>
             <a:pPr lvl="2"/>
-            <a:r>
-              <a:t/>
-            </a:r>
+            <a:endParaRPr/>
           </a:p>
           <a:p>
             <a:pPr lvl="3"/>
-            <a:r>
-              <a:t/>
-            </a:r>
+            <a:endParaRPr/>
           </a:p>
           <a:p>
             <a:pPr lvl="4"/>
-            <a:r>
-              <a:t/>
-            </a:r>
+            <a:endParaRPr/>
           </a:p>
         </p:txBody>
       </p:sp>
       <p:sp>
         <p:nvSpPr>
           <p:cNvPr id="117" name="Slide Number"/>
-          <p:cNvSpPr txBox="1"/>
+          <p:cNvSpPr txBox="1">
+            <a:spLocks noGrp="1"/>
+          </p:cNvSpPr>
           <p:nvPr>
             <p:ph type="sldNum" sz="quarter" idx="2"/>
           </p:nvPr>
@@ -1337,8 +1348,10 @@
             </a:lvl1pPr>
           </a:lstStyle>
           <a:p>
-            <a:pPr/>
-            <a:fld id="{86CB4B4D-7CA3-9044-876B-883B54F8677D}" type="slidenum"/>
+            <a:fld id="{86CB4B4D-7CA3-9044-876B-883B54F8677D}" type="slidenum">
+              <a:t>‹#›</a:t>
+            </a:fld>
+            <a:endParaRPr/>
           </a:p>
         </p:txBody>
       </p:sp>
@@ -1347,12 +1360,12 @@
   <p:clrMapOvr>
     <a:masterClrMapping/>
   </p:clrMapOvr>
-  <p:transition xmlns:p14="http://schemas.microsoft.com/office/powerpoint/2010/main" spd="med" advClick="1"/>
+  <p:transition spd="med"/>
 </p:sldLayout>
 </file>
 
 <file path=ppt/slideLayouts/slideLayout13.xml><?xml version="1.0" encoding="utf-8"?>
-<p:sldLayout xmlns:a="http://schemas.openxmlformats.org/drawingml/2006/main" xmlns:r="http://schemas.openxmlformats.org/officeDocument/2006/relationships" xmlns:p="http://schemas.openxmlformats.org/presentationml/2006/main" xmlns:m="http://schemas.openxmlformats.org/officeDocument/2006/math" xmlns:a14="http://schemas.microsoft.com/office/drawing/2010/main" type="tx" showMasterSp="1" showMasterPhAnim="1">
+<p:sldLayout xmlns:a="http://schemas.openxmlformats.org/drawingml/2006/main" xmlns:r="http://schemas.openxmlformats.org/officeDocument/2006/relationships" xmlns:p="http://schemas.openxmlformats.org/presentationml/2006/main" type="tx">
   <p:cSld name="Photo - 3 Up">
     <p:spTree>
       <p:nvGrpSpPr>
@@ -1371,7 +1384,9 @@
       <p:sp>
         <p:nvSpPr>
           <p:cNvPr id="124" name="Image"/>
-          <p:cNvSpPr/>
+          <p:cNvSpPr>
+            <a:spLocks noGrp="1"/>
+          </p:cNvSpPr>
           <p:nvPr>
             <p:ph type="pic" sz="quarter" idx="21"/>
           </p:nvPr>
@@ -1389,14 +1404,16 @@
           <a:bodyPr lIns="91439" tIns="45719" rIns="91439" bIns="45719"/>
           <a:lstStyle/>
           <a:p>
-            <a:pPr/>
+            <a:endParaRPr/>
           </a:p>
         </p:txBody>
       </p:sp>
       <p:sp>
         <p:nvSpPr>
           <p:cNvPr id="125" name="Image"/>
-          <p:cNvSpPr/>
+          <p:cNvSpPr>
+            <a:spLocks noGrp="1"/>
+          </p:cNvSpPr>
           <p:nvPr>
             <p:ph type="pic" sz="quarter" idx="22"/>
           </p:nvPr>
@@ -1414,14 +1431,16 @@
           <a:bodyPr lIns="91439" tIns="45719" rIns="91439" bIns="45719"/>
           <a:lstStyle/>
           <a:p>
-            <a:pPr/>
+            <a:endParaRPr/>
           </a:p>
         </p:txBody>
       </p:sp>
       <p:sp>
         <p:nvSpPr>
           <p:cNvPr id="126" name="Image"/>
-          <p:cNvSpPr/>
+          <p:cNvSpPr>
+            <a:spLocks noGrp="1"/>
+          </p:cNvSpPr>
           <p:nvPr>
             <p:ph type="pic" sz="quarter" idx="23"/>
           </p:nvPr>
@@ -1439,14 +1458,16 @@
           <a:bodyPr lIns="91439" tIns="45719" rIns="91439" bIns="45719"/>
           <a:lstStyle/>
           <a:p>
-            <a:pPr/>
+            <a:endParaRPr/>
           </a:p>
         </p:txBody>
       </p:sp>
       <p:sp>
         <p:nvSpPr>
           <p:cNvPr id="127" name="Slide Number"/>
-          <p:cNvSpPr txBox="1"/>
+          <p:cNvSpPr txBox="1">
+            <a:spLocks noGrp="1"/>
+          </p:cNvSpPr>
           <p:nvPr>
             <p:ph type="sldNum" sz="quarter" idx="2"/>
           </p:nvPr>
@@ -1468,8 +1489,10 @@
             </a:lvl1pPr>
           </a:lstStyle>
           <a:p>
-            <a:pPr/>
-            <a:fld id="{86CB4B4D-7CA3-9044-876B-883B54F8677D}" type="slidenum"/>
+            <a:fld id="{86CB4B4D-7CA3-9044-876B-883B54F8677D}" type="slidenum">
+              <a:t>‹#›</a:t>
+            </a:fld>
+            <a:endParaRPr/>
           </a:p>
         </p:txBody>
       </p:sp>
@@ -1478,12 +1501,12 @@
   <p:clrMapOvr>
     <a:masterClrMapping/>
   </p:clrMapOvr>
-  <p:transition xmlns:p14="http://schemas.microsoft.com/office/powerpoint/2010/main" spd="med" advClick="1"/>
+  <p:transition spd="med"/>
 </p:sldLayout>
 </file>
 
 <file path=ppt/slideLayouts/slideLayout14.xml><?xml version="1.0" encoding="utf-8"?>
-<p:sldLayout xmlns:a="http://schemas.openxmlformats.org/drawingml/2006/main" xmlns:r="http://schemas.openxmlformats.org/officeDocument/2006/relationships" xmlns:p="http://schemas.openxmlformats.org/presentationml/2006/main" xmlns:m="http://schemas.openxmlformats.org/officeDocument/2006/math" xmlns:a14="http://schemas.microsoft.com/office/drawing/2010/main" type="tx" showMasterSp="1" showMasterPhAnim="1">
+<p:sldLayout xmlns:a="http://schemas.openxmlformats.org/drawingml/2006/main" xmlns:r="http://schemas.openxmlformats.org/officeDocument/2006/relationships" xmlns:p="http://schemas.openxmlformats.org/presentationml/2006/main" type="tx">
   <p:cSld name="Photo">
     <p:spTree>
       <p:nvGrpSpPr>
@@ -1502,7 +1525,9 @@
       <p:sp>
         <p:nvSpPr>
           <p:cNvPr id="134" name="Image"/>
-          <p:cNvSpPr/>
+          <p:cNvSpPr>
+            <a:spLocks noGrp="1"/>
+          </p:cNvSpPr>
           <p:nvPr>
             <p:ph type="pic" sz="quarter" idx="21"/>
           </p:nvPr>
@@ -1520,14 +1545,16 @@
           <a:bodyPr lIns="91439" tIns="45719" rIns="91439" bIns="45719"/>
           <a:lstStyle/>
           <a:p>
-            <a:pPr/>
+            <a:endParaRPr/>
           </a:p>
         </p:txBody>
       </p:sp>
       <p:sp>
         <p:nvSpPr>
           <p:cNvPr id="135" name="Slide Number"/>
-          <p:cNvSpPr txBox="1"/>
+          <p:cNvSpPr txBox="1">
+            <a:spLocks noGrp="1"/>
+          </p:cNvSpPr>
           <p:nvPr>
             <p:ph type="sldNum" sz="quarter" idx="2"/>
           </p:nvPr>
@@ -1553,8 +1580,10 @@
             </a:lvl1pPr>
           </a:lstStyle>
           <a:p>
-            <a:pPr/>
-            <a:fld id="{86CB4B4D-7CA3-9044-876B-883B54F8677D}" type="slidenum"/>
+            <a:fld id="{86CB4B4D-7CA3-9044-876B-883B54F8677D}" type="slidenum">
+              <a:t>‹#›</a:t>
+            </a:fld>
+            <a:endParaRPr/>
           </a:p>
         </p:txBody>
       </p:sp>
@@ -1563,12 +1592,12 @@
   <p:clrMapOvr>
     <a:masterClrMapping/>
   </p:clrMapOvr>
-  <p:transition xmlns:p14="http://schemas.microsoft.com/office/powerpoint/2010/main" spd="med" advClick="1"/>
+  <p:transition spd="med"/>
 </p:sldLayout>
 </file>
 
 <file path=ppt/slideLayouts/slideLayout15.xml><?xml version="1.0" encoding="utf-8"?>
-<p:sldLayout xmlns:a="http://schemas.openxmlformats.org/drawingml/2006/main" xmlns:r="http://schemas.openxmlformats.org/officeDocument/2006/relationships" xmlns:p="http://schemas.openxmlformats.org/presentationml/2006/main" xmlns:m="http://schemas.openxmlformats.org/officeDocument/2006/math" xmlns:a14="http://schemas.microsoft.com/office/drawing/2010/main" type="tx" showMasterSp="1" showMasterPhAnim="1">
+<p:sldLayout xmlns:a="http://schemas.openxmlformats.org/drawingml/2006/main" xmlns:r="http://schemas.openxmlformats.org/officeDocument/2006/relationships" xmlns:p="http://schemas.openxmlformats.org/presentationml/2006/main" type="tx">
   <p:cSld name="Blank">
     <p:spTree>
       <p:nvGrpSpPr>
@@ -1587,7 +1616,9 @@
       <p:sp>
         <p:nvSpPr>
           <p:cNvPr id="142" name="Slide Number"/>
-          <p:cNvSpPr txBox="1"/>
+          <p:cNvSpPr txBox="1">
+            <a:spLocks noGrp="1"/>
+          </p:cNvSpPr>
           <p:nvPr>
             <p:ph type="sldNum" sz="quarter" idx="2"/>
           </p:nvPr>
@@ -1609,8 +1640,10 @@
             </a:lvl1pPr>
           </a:lstStyle>
           <a:p>
-            <a:pPr/>
-            <a:fld id="{86CB4B4D-7CA3-9044-876B-883B54F8677D}" type="slidenum"/>
+            <a:fld id="{86CB4B4D-7CA3-9044-876B-883B54F8677D}" type="slidenum">
+              <a:t>‹#›</a:t>
+            </a:fld>
+            <a:endParaRPr/>
           </a:p>
         </p:txBody>
       </p:sp>
@@ -1619,12 +1652,12 @@
   <p:clrMapOvr>
     <a:masterClrMapping/>
   </p:clrMapOvr>
-  <p:transition xmlns:p14="http://schemas.microsoft.com/office/powerpoint/2010/main" spd="med" advClick="1"/>
+  <p:transition spd="med"/>
 </p:sldLayout>
 </file>
 
 <file path=ppt/slideLayouts/slideLayout16.xml><?xml version="1.0" encoding="utf-8"?>
-<p:sldLayout xmlns:a="http://schemas.openxmlformats.org/drawingml/2006/main" xmlns:r="http://schemas.openxmlformats.org/officeDocument/2006/relationships" xmlns:p="http://schemas.openxmlformats.org/presentationml/2006/main" xmlns:m="http://schemas.openxmlformats.org/officeDocument/2006/math" xmlns:a14="http://schemas.microsoft.com/office/drawing/2010/main" type="tx" showMasterSp="1" showMasterPhAnim="1">
+<p:sldLayout xmlns:a="http://schemas.openxmlformats.org/drawingml/2006/main" xmlns:r="http://schemas.openxmlformats.org/officeDocument/2006/relationships" xmlns:p="http://schemas.openxmlformats.org/presentationml/2006/main" type="tx">
   <p:cSld name="Title &amp; Bullets">
     <p:spTree>
       <p:nvGrpSpPr>
@@ -1643,7 +1676,9 @@
       <p:sp>
         <p:nvSpPr>
           <p:cNvPr id="149" name="Title Text"/>
-          <p:cNvSpPr txBox="1"/>
+          <p:cNvSpPr txBox="1">
+            <a:spLocks noGrp="1"/>
+          </p:cNvSpPr>
           <p:nvPr>
             <p:ph type="title"/>
           </p:nvPr>
@@ -1657,7 +1692,6 @@
           <a:bodyPr/>
           <a:lstStyle/>
           <a:p>
-            <a:pPr/>
             <a:r>
               <a:t>Title Text</a:t>
             </a:r>
@@ -1667,7 +1701,9 @@
       <p:sp>
         <p:nvSpPr>
           <p:cNvPr id="150" name="Body Level One…"/>
-          <p:cNvSpPr txBox="1"/>
+          <p:cNvSpPr txBox="1">
+            <a:spLocks noGrp="1"/>
+          </p:cNvSpPr>
           <p:nvPr>
             <p:ph type="body" idx="1"/>
           </p:nvPr>
@@ -1681,7 +1717,6 @@
           <a:bodyPr/>
           <a:lstStyle/>
           <a:p>
-            <a:pPr/>
             <a:r>
               <a:t>Body Level One</a:t>
             </a:r>
@@ -1715,7 +1750,9 @@
       <p:sp>
         <p:nvSpPr>
           <p:cNvPr id="151" name="Slide Number"/>
-          <p:cNvSpPr txBox="1"/>
+          <p:cNvSpPr txBox="1">
+            <a:spLocks noGrp="1"/>
+          </p:cNvSpPr>
           <p:nvPr>
             <p:ph type="sldNum" sz="quarter" idx="2"/>
           </p:nvPr>
@@ -1729,8 +1766,10 @@
           <a:bodyPr/>
           <a:lstStyle/>
           <a:p>
-            <a:pPr/>
-            <a:fld id="{86CB4B4D-7CA3-9044-876B-883B54F8677D}" type="slidenum"/>
+            <a:fld id="{86CB4B4D-7CA3-9044-876B-883B54F8677D}" type="slidenum">
+              <a:t>‹#›</a:t>
+            </a:fld>
+            <a:endParaRPr/>
           </a:p>
         </p:txBody>
       </p:sp>
@@ -1739,12 +1778,12 @@
   <p:clrMapOvr>
     <a:masterClrMapping/>
   </p:clrMapOvr>
-  <p:transition xmlns:p14="http://schemas.microsoft.com/office/powerpoint/2010/main" spd="med" advClick="1"/>
+  <p:transition spd="med"/>
 </p:sldLayout>
 </file>
 
 <file path=ppt/slideLayouts/slideLayout2.xml><?xml version="1.0" encoding="utf-8"?>
-<p:sldLayout xmlns:a="http://schemas.openxmlformats.org/drawingml/2006/main" xmlns:r="http://schemas.openxmlformats.org/officeDocument/2006/relationships" xmlns:p="http://schemas.openxmlformats.org/presentationml/2006/main" xmlns:m="http://schemas.openxmlformats.org/officeDocument/2006/math" xmlns:a14="http://schemas.microsoft.com/office/drawing/2010/main" type="tx" showMasterSp="1" showMasterPhAnim="1">
+<p:sldLayout xmlns:a="http://schemas.openxmlformats.org/drawingml/2006/main" xmlns:r="http://schemas.openxmlformats.org/officeDocument/2006/relationships" xmlns:p="http://schemas.openxmlformats.org/presentationml/2006/main" type="tx">
   <p:cSld name="Title &amp; Photo">
     <p:spTree>
       <p:nvGrpSpPr>
@@ -1763,7 +1802,9 @@
       <p:sp>
         <p:nvSpPr>
           <p:cNvPr id="21" name="666699290_02_crop_3159x1892.jpg"/>
-          <p:cNvSpPr/>
+          <p:cNvSpPr>
+            <a:spLocks noGrp="1"/>
+          </p:cNvSpPr>
           <p:nvPr>
             <p:ph type="pic" sz="quarter" idx="21"/>
           </p:nvPr>
@@ -1781,14 +1822,16 @@
           <a:bodyPr lIns="91439" tIns="45719" rIns="91439" bIns="45719"/>
           <a:lstStyle/>
           <a:p>
-            <a:pPr/>
+            <a:endParaRPr/>
           </a:p>
         </p:txBody>
       </p:sp>
       <p:sp>
         <p:nvSpPr>
           <p:cNvPr id="22" name="Presentation Title"/>
-          <p:cNvSpPr txBox="1"/>
+          <p:cNvSpPr txBox="1">
+            <a:spLocks noGrp="1"/>
+          </p:cNvSpPr>
           <p:nvPr>
             <p:ph type="title" hasCustomPrompt="1"/>
           </p:nvPr>
@@ -1804,14 +1847,14 @@
         </p:spPr>
         <p:txBody>
           <a:bodyPr lIns="16073" tIns="16073" rIns="16073" bIns="16073">
-            <a:normAutofit fontScale="100000" lnSpcReduction="0"/>
+            <a:normAutofit/>
           </a:bodyPr>
           <a:lstStyle>
             <a:lvl1pPr defTabSz="2438339">
               <a:lnSpc>
                 <a:spcPct val="80000"/>
               </a:lnSpc>
-              <a:defRPr b="1" spc="-228" sz="11400">
+              <a:defRPr sz="11400" b="1" spc="-228">
                 <a:latin typeface="+mn-lt"/>
                 <a:ea typeface="+mn-ea"/>
                 <a:cs typeface="+mn-cs"/>
@@ -1820,7 +1863,6 @@
             </a:lvl1pPr>
           </a:lstStyle>
           <a:p>
-            <a:pPr/>
             <a:r>
               <a:t>Presentation Title</a:t>
             </a:r>
@@ -1830,7 +1872,9 @@
       <p:sp>
         <p:nvSpPr>
           <p:cNvPr id="23" name="Author and Date"/>
-          <p:cNvSpPr txBox="1"/>
+          <p:cNvSpPr txBox="1">
+            <a:spLocks noGrp="1"/>
+          </p:cNvSpPr>
           <p:nvPr>
             <p:ph type="body" sz="quarter" idx="22" hasCustomPrompt="1"/>
           </p:nvPr>
@@ -1846,7 +1890,7 @@
         </p:spPr>
         <p:txBody>
           <a:bodyPr lIns="14466" tIns="14466" rIns="14466" bIns="14466">
-            <a:normAutofit fontScale="100000" lnSpcReduction="0"/>
+            <a:normAutofit/>
           </a:bodyPr>
           <a:lstStyle>
             <a:lvl1pPr marL="0" indent="0" defTabSz="330200">
@@ -1855,11 +1899,10 @@
               </a:spcBef>
               <a:buSzTx/>
               <a:buNone/>
-              <a:defRPr b="1" sz="1360"/>
+              <a:defRPr sz="1360" b="1"/>
             </a:lvl1pPr>
           </a:lstStyle>
           <a:p>
-            <a:pPr/>
             <a:r>
               <a:t>Author and Date</a:t>
             </a:r>
@@ -1869,7 +1912,9 @@
       <p:sp>
         <p:nvSpPr>
           <p:cNvPr id="24" name="Body Level One…"/>
-          <p:cNvSpPr txBox="1"/>
+          <p:cNvSpPr txBox="1">
+            <a:spLocks noGrp="1"/>
+          </p:cNvSpPr>
           <p:nvPr>
             <p:ph type="body" sz="quarter" idx="1" hasCustomPrompt="1"/>
           </p:nvPr>
@@ -1885,7 +1930,7 @@
         </p:spPr>
         <p:txBody>
           <a:bodyPr lIns="16073" tIns="16073" rIns="16073" bIns="16073">
-            <a:normAutofit fontScale="100000" lnSpcReduction="0"/>
+            <a:normAutofit/>
           </a:bodyPr>
           <a:lstStyle>
             <a:lvl1pPr marL="0" indent="0" defTabSz="825500">
@@ -1894,7 +1939,7 @@
               </a:spcBef>
               <a:buSzTx/>
               <a:buNone/>
-              <a:defRPr b="1" sz="5400"/>
+              <a:defRPr sz="5400" b="1"/>
             </a:lvl1pPr>
             <a:lvl2pPr marL="0" indent="457200" defTabSz="825500">
               <a:spcBef>
@@ -1902,7 +1947,7 @@
               </a:spcBef>
               <a:buSzTx/>
               <a:buNone/>
-              <a:defRPr b="1" sz="5400"/>
+              <a:defRPr sz="5400" b="1"/>
             </a:lvl2pPr>
             <a:lvl3pPr marL="0" indent="914400" defTabSz="825500">
               <a:spcBef>
@@ -1910,7 +1955,7 @@
               </a:spcBef>
               <a:buSzTx/>
               <a:buNone/>
-              <a:defRPr b="1" sz="5400"/>
+              <a:defRPr sz="5400" b="1"/>
             </a:lvl3pPr>
             <a:lvl4pPr marL="0" indent="1371600" defTabSz="825500">
               <a:spcBef>
@@ -1918,7 +1963,7 @@
               </a:spcBef>
               <a:buSzTx/>
               <a:buNone/>
-              <a:defRPr b="1" sz="5400"/>
+              <a:defRPr sz="5400" b="1"/>
             </a:lvl4pPr>
             <a:lvl5pPr marL="0" indent="1828800" defTabSz="825500">
               <a:spcBef>
@@ -1926,45 +1971,38 @@
               </a:spcBef>
               <a:buSzTx/>
               <a:buNone/>
-              <a:defRPr b="1" sz="5400"/>
+              <a:defRPr sz="5400" b="1"/>
             </a:lvl5pPr>
           </a:lstStyle>
           <a:p>
-            <a:pPr/>
             <a:r>
               <a:t>Presentation Subtitle</a:t>
             </a:r>
           </a:p>
           <a:p>
             <a:pPr lvl="1"/>
-            <a:r>
-              <a:t/>
-            </a:r>
+            <a:endParaRPr/>
           </a:p>
           <a:p>
             <a:pPr lvl="2"/>
-            <a:r>
-              <a:t/>
-            </a:r>
+            <a:endParaRPr/>
           </a:p>
           <a:p>
             <a:pPr lvl="3"/>
-            <a:r>
-              <a:t/>
-            </a:r>
+            <a:endParaRPr/>
           </a:p>
           <a:p>
             <a:pPr lvl="4"/>
-            <a:r>
-              <a:t/>
-            </a:r>
+            <a:endParaRPr/>
           </a:p>
         </p:txBody>
       </p:sp>
       <p:sp>
         <p:nvSpPr>
           <p:cNvPr id="25" name="Slide Number"/>
-          <p:cNvSpPr txBox="1"/>
+          <p:cNvSpPr txBox="1">
+            <a:spLocks noGrp="1"/>
+          </p:cNvSpPr>
           <p:nvPr>
             <p:ph type="sldNum" sz="quarter" idx="2"/>
           </p:nvPr>
@@ -1986,8 +2024,10 @@
             </a:lvl1pPr>
           </a:lstStyle>
           <a:p>
-            <a:pPr/>
-            <a:fld id="{86CB4B4D-7CA3-9044-876B-883B54F8677D}" type="slidenum"/>
+            <a:fld id="{86CB4B4D-7CA3-9044-876B-883B54F8677D}" type="slidenum">
+              <a:t>‹#›</a:t>
+            </a:fld>
+            <a:endParaRPr/>
           </a:p>
         </p:txBody>
       </p:sp>
@@ -1996,12 +2036,12 @@
   <p:clrMapOvr>
     <a:masterClrMapping/>
   </p:clrMapOvr>
-  <p:transition xmlns:p14="http://schemas.microsoft.com/office/powerpoint/2010/main" spd="med" advClick="1"/>
+  <p:transition spd="med"/>
 </p:sldLayout>
 </file>
 
 <file path=ppt/slideLayouts/slideLayout3.xml><?xml version="1.0" encoding="utf-8"?>
-<p:sldLayout xmlns:a="http://schemas.openxmlformats.org/drawingml/2006/main" xmlns:r="http://schemas.openxmlformats.org/officeDocument/2006/relationships" xmlns:p="http://schemas.openxmlformats.org/presentationml/2006/main" xmlns:m="http://schemas.openxmlformats.org/officeDocument/2006/math" xmlns:a14="http://schemas.microsoft.com/office/drawing/2010/main" type="tx" showMasterSp="1" showMasterPhAnim="1">
+<p:sldLayout xmlns:a="http://schemas.openxmlformats.org/drawingml/2006/main" xmlns:r="http://schemas.openxmlformats.org/officeDocument/2006/relationships" xmlns:p="http://schemas.openxmlformats.org/presentationml/2006/main" type="tx">
   <p:cSld name="Title &amp; Photo Alt">
     <p:spTree>
       <p:nvGrpSpPr>
@@ -2020,7 +2060,9 @@
       <p:sp>
         <p:nvSpPr>
           <p:cNvPr id="32" name="910457886_1434x1669.jpg"/>
-          <p:cNvSpPr/>
+          <p:cNvSpPr>
+            <a:spLocks noGrp="1"/>
+          </p:cNvSpPr>
           <p:nvPr>
             <p:ph type="pic" sz="quarter" idx="21"/>
           </p:nvPr>
@@ -2038,14 +2080,16 @@
           <a:bodyPr lIns="91439" tIns="45719" rIns="91439" bIns="45719"/>
           <a:lstStyle/>
           <a:p>
-            <a:pPr/>
+            <a:endParaRPr/>
           </a:p>
         </p:txBody>
       </p:sp>
       <p:sp>
         <p:nvSpPr>
           <p:cNvPr id="33" name="Slide Title"/>
-          <p:cNvSpPr txBox="1"/>
+          <p:cNvSpPr txBox="1">
+            <a:spLocks noGrp="1"/>
+          </p:cNvSpPr>
           <p:nvPr>
             <p:ph type="title" hasCustomPrompt="1"/>
           </p:nvPr>
@@ -2061,14 +2105,14 @@
         </p:spPr>
         <p:txBody>
           <a:bodyPr lIns="16073" tIns="16073" rIns="16073" bIns="16073">
-            <a:normAutofit fontScale="100000" lnSpcReduction="0"/>
+            <a:normAutofit/>
           </a:bodyPr>
           <a:lstStyle>
             <a:lvl1pPr defTabSz="2438339">
               <a:lnSpc>
                 <a:spcPct val="80000"/>
               </a:lnSpc>
-              <a:defRPr b="1" spc="-164" sz="8200">
+              <a:defRPr sz="8200" b="1" spc="-164">
                 <a:latin typeface="+mn-lt"/>
                 <a:ea typeface="+mn-ea"/>
                 <a:cs typeface="+mn-cs"/>
@@ -2077,7 +2121,6 @@
             </a:lvl1pPr>
           </a:lstStyle>
           <a:p>
-            <a:pPr/>
             <a:r>
               <a:t>Slide Title</a:t>
             </a:r>
@@ -2087,7 +2130,9 @@
       <p:sp>
         <p:nvSpPr>
           <p:cNvPr id="34" name="Body Level One…"/>
-          <p:cNvSpPr txBox="1"/>
+          <p:cNvSpPr txBox="1">
+            <a:spLocks noGrp="1"/>
+          </p:cNvSpPr>
           <p:nvPr>
             <p:ph type="body" sz="quarter" idx="1" hasCustomPrompt="1"/>
           </p:nvPr>
@@ -2103,7 +2148,7 @@
         </p:spPr>
         <p:txBody>
           <a:bodyPr lIns="16073" tIns="16073" rIns="16073" bIns="16073">
-            <a:normAutofit fontScale="100000" lnSpcReduction="0"/>
+            <a:normAutofit/>
           </a:bodyPr>
           <a:lstStyle>
             <a:lvl1pPr marL="0" indent="0" defTabSz="825500">
@@ -2112,7 +2157,7 @@
               </a:spcBef>
               <a:buSzTx/>
               <a:buNone/>
-              <a:defRPr b="1" sz="5400"/>
+              <a:defRPr sz="5400" b="1"/>
             </a:lvl1pPr>
             <a:lvl2pPr marL="0" indent="457200" defTabSz="825500">
               <a:spcBef>
@@ -2120,7 +2165,7 @@
               </a:spcBef>
               <a:buSzTx/>
               <a:buNone/>
-              <a:defRPr b="1" sz="5400"/>
+              <a:defRPr sz="5400" b="1"/>
             </a:lvl2pPr>
             <a:lvl3pPr marL="0" indent="914400" defTabSz="825500">
               <a:spcBef>
@@ -2128,7 +2173,7 @@
               </a:spcBef>
               <a:buSzTx/>
               <a:buNone/>
-              <a:defRPr b="1" sz="5400"/>
+              <a:defRPr sz="5400" b="1"/>
             </a:lvl3pPr>
             <a:lvl4pPr marL="0" indent="1371600" defTabSz="825500">
               <a:spcBef>
@@ -2136,7 +2181,7 @@
               </a:spcBef>
               <a:buSzTx/>
               <a:buNone/>
-              <a:defRPr b="1" sz="5400"/>
+              <a:defRPr sz="5400" b="1"/>
             </a:lvl4pPr>
             <a:lvl5pPr marL="0" indent="1828800" defTabSz="825500">
               <a:spcBef>
@@ -2144,45 +2189,38 @@
               </a:spcBef>
               <a:buSzTx/>
               <a:buNone/>
-              <a:defRPr b="1" sz="5400"/>
+              <a:defRPr sz="5400" b="1"/>
             </a:lvl5pPr>
           </a:lstStyle>
           <a:p>
-            <a:pPr/>
             <a:r>
               <a:t>Slide Subtitle</a:t>
             </a:r>
           </a:p>
           <a:p>
             <a:pPr lvl="1"/>
-            <a:r>
-              <a:t/>
-            </a:r>
+            <a:endParaRPr/>
           </a:p>
           <a:p>
             <a:pPr lvl="2"/>
-            <a:r>
-              <a:t/>
-            </a:r>
+            <a:endParaRPr/>
           </a:p>
           <a:p>
             <a:pPr lvl="3"/>
-            <a:r>
-              <a:t/>
-            </a:r>
+            <a:endParaRPr/>
           </a:p>
           <a:p>
             <a:pPr lvl="4"/>
-            <a:r>
-              <a:t/>
-            </a:r>
+            <a:endParaRPr/>
           </a:p>
         </p:txBody>
       </p:sp>
       <p:sp>
         <p:nvSpPr>
           <p:cNvPr id="35" name="Slide Number"/>
-          <p:cNvSpPr txBox="1"/>
+          <p:cNvSpPr txBox="1">
+            <a:spLocks noGrp="1"/>
+          </p:cNvSpPr>
           <p:nvPr>
             <p:ph type="sldNum" sz="quarter" idx="2"/>
           </p:nvPr>
@@ -2204,8 +2242,10 @@
             </a:lvl1pPr>
           </a:lstStyle>
           <a:p>
-            <a:pPr/>
-            <a:fld id="{86CB4B4D-7CA3-9044-876B-883B54F8677D}" type="slidenum"/>
+            <a:fld id="{86CB4B4D-7CA3-9044-876B-883B54F8677D}" type="slidenum">
+              <a:t>‹#›</a:t>
+            </a:fld>
+            <a:endParaRPr/>
           </a:p>
         </p:txBody>
       </p:sp>
@@ -2214,12 +2254,12 @@
   <p:clrMapOvr>
     <a:masterClrMapping/>
   </p:clrMapOvr>
-  <p:transition xmlns:p14="http://schemas.microsoft.com/office/powerpoint/2010/main" spd="med" advClick="1"/>
+  <p:transition spd="med"/>
 </p:sldLayout>
 </file>
 
 <file path=ppt/slideLayouts/slideLayout4.xml><?xml version="1.0" encoding="utf-8"?>
-<p:sldLayout xmlns:a="http://schemas.openxmlformats.org/drawingml/2006/main" xmlns:r="http://schemas.openxmlformats.org/officeDocument/2006/relationships" xmlns:p="http://schemas.openxmlformats.org/presentationml/2006/main" xmlns:m="http://schemas.openxmlformats.org/officeDocument/2006/math" xmlns:a14="http://schemas.microsoft.com/office/drawing/2010/main" type="tx" showMasterSp="1" showMasterPhAnim="1">
+<p:sldLayout xmlns:a="http://schemas.openxmlformats.org/drawingml/2006/main" xmlns:r="http://schemas.openxmlformats.org/officeDocument/2006/relationships" xmlns:p="http://schemas.openxmlformats.org/presentationml/2006/main" type="tx">
   <p:cSld name="Title &amp; Bullets">
     <p:spTree>
       <p:nvGrpSpPr>
@@ -2238,7 +2278,9 @@
       <p:sp>
         <p:nvSpPr>
           <p:cNvPr id="42" name="Slide Title"/>
-          <p:cNvSpPr txBox="1"/>
+          <p:cNvSpPr txBox="1">
+            <a:spLocks noGrp="1"/>
+          </p:cNvSpPr>
           <p:nvPr>
             <p:ph type="title" hasCustomPrompt="1"/>
           </p:nvPr>
@@ -2254,14 +2296,14 @@
         </p:spPr>
         <p:txBody>
           <a:bodyPr lIns="16073" tIns="16073" rIns="16073" bIns="16073" anchor="t">
-            <a:normAutofit fontScale="100000" lnSpcReduction="0"/>
+            <a:normAutofit/>
           </a:bodyPr>
           <a:lstStyle>
             <a:lvl1pPr defTabSz="2438339">
               <a:lnSpc>
                 <a:spcPct val="80000"/>
               </a:lnSpc>
-              <a:defRPr b="1" spc="-164" sz="8200">
+              <a:defRPr sz="8200" b="1" spc="-164">
                 <a:latin typeface="+mn-lt"/>
                 <a:ea typeface="+mn-ea"/>
                 <a:cs typeface="+mn-cs"/>
@@ -2270,7 +2312,6 @@
             </a:lvl1pPr>
           </a:lstStyle>
           <a:p>
-            <a:pPr/>
             <a:r>
               <a:t>Slide Title</a:t>
             </a:r>
@@ -2280,7 +2321,9 @@
       <p:sp>
         <p:nvSpPr>
           <p:cNvPr id="43" name="Slide Subtitle"/>
-          <p:cNvSpPr txBox="1"/>
+          <p:cNvSpPr txBox="1">
+            <a:spLocks noGrp="1"/>
+          </p:cNvSpPr>
           <p:nvPr>
             <p:ph type="body" sz="quarter" idx="21" hasCustomPrompt="1"/>
           </p:nvPr>
@@ -2296,7 +2339,7 @@
         </p:spPr>
         <p:txBody>
           <a:bodyPr lIns="14466" tIns="14466" rIns="14466" bIns="14466">
-            <a:normAutofit fontScale="100000" lnSpcReduction="0"/>
+            <a:normAutofit/>
           </a:bodyPr>
           <a:lstStyle>
             <a:lvl1pPr marL="0" indent="0" defTabSz="330200">
@@ -2305,11 +2348,10 @@
               </a:spcBef>
               <a:buSzTx/>
               <a:buNone/>
-              <a:defRPr b="1" sz="2160"/>
+              <a:defRPr sz="2160" b="1"/>
             </a:lvl1pPr>
           </a:lstStyle>
           <a:p>
-            <a:pPr/>
             <a:r>
               <a:t>Slide Subtitle</a:t>
             </a:r>
@@ -2319,7 +2361,9 @@
       <p:sp>
         <p:nvSpPr>
           <p:cNvPr id="44" name="Body Level One…"/>
-          <p:cNvSpPr txBox="1"/>
+          <p:cNvSpPr txBox="1">
+            <a:spLocks noGrp="1"/>
+          </p:cNvSpPr>
           <p:nvPr>
             <p:ph type="body" sz="quarter" idx="1" hasCustomPrompt="1"/>
           </p:nvPr>
@@ -2335,7 +2379,7 @@
         </p:spPr>
         <p:txBody>
           <a:bodyPr lIns="16073" tIns="16073" rIns="16073" bIns="16073">
-            <a:normAutofit fontScale="100000" lnSpcReduction="0"/>
+            <a:normAutofit/>
           </a:bodyPr>
           <a:lstStyle>
             <a:lvl1pPr marL="558800" indent="-558800" defTabSz="2438339">
@@ -2390,41 +2434,34 @@
             </a:lvl5pPr>
           </a:lstStyle>
           <a:p>
-            <a:pPr/>
             <a:r>
               <a:t>Slide bullet text</a:t>
             </a:r>
           </a:p>
           <a:p>
             <a:pPr lvl="1"/>
-            <a:r>
-              <a:t/>
-            </a:r>
+            <a:endParaRPr/>
           </a:p>
           <a:p>
             <a:pPr lvl="2"/>
-            <a:r>
-              <a:t/>
-            </a:r>
+            <a:endParaRPr/>
           </a:p>
           <a:p>
             <a:pPr lvl="3"/>
-            <a:r>
-              <a:t/>
-            </a:r>
+            <a:endParaRPr/>
           </a:p>
           <a:p>
             <a:pPr lvl="4"/>
-            <a:r>
-              <a:t/>
-            </a:r>
+            <a:endParaRPr/>
           </a:p>
         </p:txBody>
       </p:sp>
       <p:sp>
         <p:nvSpPr>
           <p:cNvPr id="45" name="Slide Number"/>
-          <p:cNvSpPr txBox="1"/>
+          <p:cNvSpPr txBox="1">
+            <a:spLocks noGrp="1"/>
+          </p:cNvSpPr>
           <p:nvPr>
             <p:ph type="sldNum" sz="quarter" idx="2"/>
           </p:nvPr>
@@ -2446,8 +2483,10 @@
             </a:lvl1pPr>
           </a:lstStyle>
           <a:p>
-            <a:pPr/>
-            <a:fld id="{86CB4B4D-7CA3-9044-876B-883B54F8677D}" type="slidenum"/>
+            <a:fld id="{86CB4B4D-7CA3-9044-876B-883B54F8677D}" type="slidenum">
+              <a:t>‹#›</a:t>
+            </a:fld>
+            <a:endParaRPr/>
           </a:p>
         </p:txBody>
       </p:sp>
@@ -2456,12 +2495,12 @@
   <p:clrMapOvr>
     <a:masterClrMapping/>
   </p:clrMapOvr>
-  <p:transition xmlns:p14="http://schemas.microsoft.com/office/powerpoint/2010/main" spd="med" advClick="1"/>
+  <p:transition spd="med"/>
 </p:sldLayout>
 </file>
 
 <file path=ppt/slideLayouts/slideLayout5.xml><?xml version="1.0" encoding="utf-8"?>
-<p:sldLayout xmlns:a="http://schemas.openxmlformats.org/drawingml/2006/main" xmlns:r="http://schemas.openxmlformats.org/officeDocument/2006/relationships" xmlns:p="http://schemas.openxmlformats.org/presentationml/2006/main" xmlns:m="http://schemas.openxmlformats.org/officeDocument/2006/math" xmlns:a14="http://schemas.microsoft.com/office/drawing/2010/main" type="tx" showMasterSp="1" showMasterPhAnim="1">
+<p:sldLayout xmlns:a="http://schemas.openxmlformats.org/drawingml/2006/main" xmlns:r="http://schemas.openxmlformats.org/officeDocument/2006/relationships" xmlns:p="http://schemas.openxmlformats.org/presentationml/2006/main" type="tx">
   <p:cSld name="Bullets">
     <p:spTree>
       <p:nvGrpSpPr>
@@ -2480,7 +2519,9 @@
       <p:sp>
         <p:nvSpPr>
           <p:cNvPr id="52" name="Body Level One…"/>
-          <p:cNvSpPr txBox="1"/>
+          <p:cNvSpPr txBox="1">
+            <a:spLocks noGrp="1"/>
+          </p:cNvSpPr>
           <p:nvPr>
             <p:ph type="body" sz="quarter" idx="1" hasCustomPrompt="1"/>
           </p:nvPr>
@@ -2496,7 +2537,7 @@
         </p:spPr>
         <p:txBody>
           <a:bodyPr lIns="16073" tIns="16073" rIns="16073" bIns="16073" numCol="2" spcCol="347588">
-            <a:normAutofit fontScale="100000" lnSpcReduction="0"/>
+            <a:normAutofit/>
           </a:bodyPr>
           <a:lstStyle>
             <a:lvl1pPr marL="558800" indent="-558800" defTabSz="2438339">
@@ -2551,41 +2592,34 @@
             </a:lvl5pPr>
           </a:lstStyle>
           <a:p>
-            <a:pPr/>
             <a:r>
               <a:t>Slide bullet text</a:t>
             </a:r>
           </a:p>
           <a:p>
             <a:pPr lvl="1"/>
-            <a:r>
-              <a:t/>
-            </a:r>
+            <a:endParaRPr/>
           </a:p>
           <a:p>
             <a:pPr lvl="2"/>
-            <a:r>
-              <a:t/>
-            </a:r>
+            <a:endParaRPr/>
           </a:p>
           <a:p>
             <a:pPr lvl="3"/>
-            <a:r>
-              <a:t/>
-            </a:r>
+            <a:endParaRPr/>
           </a:p>
           <a:p>
             <a:pPr lvl="4"/>
-            <a:r>
-              <a:t/>
-            </a:r>
+            <a:endParaRPr/>
           </a:p>
         </p:txBody>
       </p:sp>
       <p:sp>
         <p:nvSpPr>
           <p:cNvPr id="53" name="Slide Number"/>
-          <p:cNvSpPr txBox="1"/>
+          <p:cNvSpPr txBox="1">
+            <a:spLocks noGrp="1"/>
+          </p:cNvSpPr>
           <p:nvPr>
             <p:ph type="sldNum" sz="quarter" idx="2"/>
           </p:nvPr>
@@ -2607,8 +2641,10 @@
             </a:lvl1pPr>
           </a:lstStyle>
           <a:p>
-            <a:pPr/>
-            <a:fld id="{86CB4B4D-7CA3-9044-876B-883B54F8677D}" type="slidenum"/>
+            <a:fld id="{86CB4B4D-7CA3-9044-876B-883B54F8677D}" type="slidenum">
+              <a:t>‹#›</a:t>
+            </a:fld>
+            <a:endParaRPr/>
           </a:p>
         </p:txBody>
       </p:sp>
@@ -2617,12 +2653,12 @@
   <p:clrMapOvr>
     <a:masterClrMapping/>
   </p:clrMapOvr>
-  <p:transition xmlns:p14="http://schemas.microsoft.com/office/powerpoint/2010/main" spd="med" advClick="1"/>
+  <p:transition spd="med"/>
 </p:sldLayout>
 </file>
 
 <file path=ppt/slideLayouts/slideLayout6.xml><?xml version="1.0" encoding="utf-8"?>
-<p:sldLayout xmlns:a="http://schemas.openxmlformats.org/drawingml/2006/main" xmlns:r="http://schemas.openxmlformats.org/officeDocument/2006/relationships" xmlns:p="http://schemas.openxmlformats.org/presentationml/2006/main" xmlns:m="http://schemas.openxmlformats.org/officeDocument/2006/math" xmlns:a14="http://schemas.microsoft.com/office/drawing/2010/main" type="tx" showMasterSp="1" showMasterPhAnim="1">
+<p:sldLayout xmlns:a="http://schemas.openxmlformats.org/drawingml/2006/main" xmlns:r="http://schemas.openxmlformats.org/officeDocument/2006/relationships" xmlns:p="http://schemas.openxmlformats.org/presentationml/2006/main" type="tx">
   <p:cSld name="Title, Bullets &amp; Photo">
     <p:spTree>
       <p:nvGrpSpPr>
@@ -2641,7 +2677,9 @@
       <p:sp>
         <p:nvSpPr>
           <p:cNvPr id="60" name="Slide Subtitle"/>
-          <p:cNvSpPr txBox="1"/>
+          <p:cNvSpPr txBox="1">
+            <a:spLocks noGrp="1"/>
+          </p:cNvSpPr>
           <p:nvPr>
             <p:ph type="body" sz="quarter" idx="21" hasCustomPrompt="1"/>
           </p:nvPr>
@@ -2657,7 +2695,7 @@
         </p:spPr>
         <p:txBody>
           <a:bodyPr lIns="14466" tIns="14466" rIns="14466" bIns="14466">
-            <a:normAutofit fontScale="100000" lnSpcReduction="0"/>
+            <a:normAutofit/>
           </a:bodyPr>
           <a:lstStyle>
             <a:lvl1pPr marL="0" indent="0" defTabSz="330200">
@@ -2666,11 +2704,10 @@
               </a:spcBef>
               <a:buSzTx/>
               <a:buNone/>
-              <a:defRPr b="1" sz="2160"/>
+              <a:defRPr sz="2160" b="1"/>
             </a:lvl1pPr>
           </a:lstStyle>
           <a:p>
-            <a:pPr/>
             <a:r>
               <a:t>Slide Subtitle</a:t>
             </a:r>
@@ -2680,7 +2717,9 @@
       <p:sp>
         <p:nvSpPr>
           <p:cNvPr id="61" name="Body Level One…"/>
-          <p:cNvSpPr txBox="1"/>
+          <p:cNvSpPr txBox="1">
+            <a:spLocks noGrp="1"/>
+          </p:cNvSpPr>
           <p:nvPr>
             <p:ph type="body" sz="quarter" idx="1" hasCustomPrompt="1"/>
           </p:nvPr>
@@ -2696,7 +2735,7 @@
         </p:spPr>
         <p:txBody>
           <a:bodyPr lIns="16073" tIns="16073" rIns="16073" bIns="16073">
-            <a:normAutofit fontScale="100000" lnSpcReduction="0"/>
+            <a:normAutofit/>
           </a:bodyPr>
           <a:lstStyle>
             <a:lvl1pPr marL="558800" indent="-558800" defTabSz="2438339">
@@ -2751,41 +2790,34 @@
             </a:lvl5pPr>
           </a:lstStyle>
           <a:p>
-            <a:pPr/>
             <a:r>
               <a:t>Slide bullet text</a:t>
             </a:r>
           </a:p>
           <a:p>
             <a:pPr lvl="1"/>
-            <a:r>
-              <a:t/>
-            </a:r>
+            <a:endParaRPr/>
           </a:p>
           <a:p>
             <a:pPr lvl="2"/>
-            <a:r>
-              <a:t/>
-            </a:r>
+            <a:endParaRPr/>
           </a:p>
           <a:p>
             <a:pPr lvl="3"/>
-            <a:r>
-              <a:t/>
-            </a:r>
+            <a:endParaRPr/>
           </a:p>
           <a:p>
             <a:pPr lvl="4"/>
-            <a:r>
-              <a:t/>
-            </a:r>
+            <a:endParaRPr/>
           </a:p>
         </p:txBody>
       </p:sp>
       <p:sp>
         <p:nvSpPr>
           <p:cNvPr id="62" name="660384004_1290x1720.jpg"/>
-          <p:cNvSpPr/>
+          <p:cNvSpPr>
+            <a:spLocks noGrp="1"/>
+          </p:cNvSpPr>
           <p:nvPr>
             <p:ph type="pic" sz="quarter" idx="22"/>
           </p:nvPr>
@@ -2803,14 +2835,16 @@
           <a:bodyPr lIns="91439" tIns="45719" rIns="91439" bIns="45719"/>
           <a:lstStyle/>
           <a:p>
-            <a:pPr/>
+            <a:endParaRPr/>
           </a:p>
         </p:txBody>
       </p:sp>
       <p:sp>
         <p:nvSpPr>
           <p:cNvPr id="63" name="Slide Title"/>
-          <p:cNvSpPr txBox="1"/>
+          <p:cNvSpPr txBox="1">
+            <a:spLocks noGrp="1"/>
+          </p:cNvSpPr>
           <p:nvPr>
             <p:ph type="title" hasCustomPrompt="1"/>
           </p:nvPr>
@@ -2826,14 +2860,14 @@
         </p:spPr>
         <p:txBody>
           <a:bodyPr lIns="16073" tIns="16073" rIns="16073" bIns="16073" anchor="t">
-            <a:normAutofit fontScale="100000" lnSpcReduction="0"/>
+            <a:normAutofit/>
           </a:bodyPr>
           <a:lstStyle>
             <a:lvl1pPr defTabSz="2438339">
               <a:lnSpc>
                 <a:spcPct val="80000"/>
               </a:lnSpc>
-              <a:defRPr b="1" spc="-164" sz="8200">
+              <a:defRPr sz="8200" b="1" spc="-164">
                 <a:latin typeface="+mn-lt"/>
                 <a:ea typeface="+mn-ea"/>
                 <a:cs typeface="+mn-cs"/>
@@ -2842,7 +2876,6 @@
             </a:lvl1pPr>
           </a:lstStyle>
           <a:p>
-            <a:pPr/>
             <a:r>
               <a:t>Slide Title</a:t>
             </a:r>
@@ -2852,7 +2885,9 @@
       <p:sp>
         <p:nvSpPr>
           <p:cNvPr id="64" name="Slide Number"/>
-          <p:cNvSpPr txBox="1"/>
+          <p:cNvSpPr txBox="1">
+            <a:spLocks noGrp="1"/>
+          </p:cNvSpPr>
           <p:nvPr>
             <p:ph type="sldNum" sz="quarter" idx="2"/>
           </p:nvPr>
@@ -2874,8 +2909,10 @@
             </a:lvl1pPr>
           </a:lstStyle>
           <a:p>
-            <a:pPr/>
-            <a:fld id="{86CB4B4D-7CA3-9044-876B-883B54F8677D}" type="slidenum"/>
+            <a:fld id="{86CB4B4D-7CA3-9044-876B-883B54F8677D}" type="slidenum">
+              <a:t>‹#›</a:t>
+            </a:fld>
+            <a:endParaRPr/>
           </a:p>
         </p:txBody>
       </p:sp>
@@ -2884,12 +2921,12 @@
   <p:clrMapOvr>
     <a:masterClrMapping/>
   </p:clrMapOvr>
-  <p:transition xmlns:p14="http://schemas.microsoft.com/office/powerpoint/2010/main" spd="med" advClick="1"/>
+  <p:transition spd="med"/>
 </p:sldLayout>
 </file>
 
 <file path=ppt/slideLayouts/slideLayout7.xml><?xml version="1.0" encoding="utf-8"?>
-<p:sldLayout xmlns:a="http://schemas.openxmlformats.org/drawingml/2006/main" xmlns:r="http://schemas.openxmlformats.org/officeDocument/2006/relationships" xmlns:p="http://schemas.openxmlformats.org/presentationml/2006/main" xmlns:m="http://schemas.openxmlformats.org/officeDocument/2006/math" xmlns:a14="http://schemas.microsoft.com/office/drawing/2010/main" type="tx" showMasterSp="1" showMasterPhAnim="1">
+<p:sldLayout xmlns:a="http://schemas.openxmlformats.org/drawingml/2006/main" xmlns:r="http://schemas.openxmlformats.org/officeDocument/2006/relationships" xmlns:p="http://schemas.openxmlformats.org/presentationml/2006/main" type="tx">
   <p:cSld name="Section">
     <p:spTree>
       <p:nvGrpSpPr>
@@ -2908,7 +2945,9 @@
       <p:sp>
         <p:nvSpPr>
           <p:cNvPr id="71" name="Section Title"/>
-          <p:cNvSpPr txBox="1"/>
+          <p:cNvSpPr txBox="1">
+            <a:spLocks noGrp="1"/>
+          </p:cNvSpPr>
           <p:nvPr>
             <p:ph type="title" hasCustomPrompt="1"/>
           </p:nvPr>
@@ -2924,14 +2963,14 @@
         </p:spPr>
         <p:txBody>
           <a:bodyPr lIns="16073" tIns="16073" rIns="16073" bIns="16073" anchor="ctr">
-            <a:normAutofit fontScale="100000" lnSpcReduction="0"/>
+            <a:normAutofit/>
           </a:bodyPr>
           <a:lstStyle>
             <a:lvl1pPr defTabSz="2438339">
               <a:lnSpc>
                 <a:spcPct val="80000"/>
               </a:lnSpc>
-              <a:defRPr spc="-228" sz="11400">
+              <a:defRPr sz="11400" spc="-228">
                 <a:latin typeface="Helvetica Neue Medium"/>
                 <a:ea typeface="Helvetica Neue Medium"/>
                 <a:cs typeface="Helvetica Neue Medium"/>
@@ -2940,7 +2979,6 @@
             </a:lvl1pPr>
           </a:lstStyle>
           <a:p>
-            <a:pPr/>
             <a:r>
               <a:t>Section Title</a:t>
             </a:r>
@@ -2950,7 +2988,9 @@
       <p:sp>
         <p:nvSpPr>
           <p:cNvPr id="72" name="Slide Number"/>
-          <p:cNvSpPr txBox="1"/>
+          <p:cNvSpPr txBox="1">
+            <a:spLocks noGrp="1"/>
+          </p:cNvSpPr>
           <p:nvPr>
             <p:ph type="sldNum" sz="quarter" idx="2"/>
           </p:nvPr>
@@ -2972,8 +3012,10 @@
             </a:lvl1pPr>
           </a:lstStyle>
           <a:p>
-            <a:pPr/>
-            <a:fld id="{86CB4B4D-7CA3-9044-876B-883B54F8677D}" type="slidenum"/>
+            <a:fld id="{86CB4B4D-7CA3-9044-876B-883B54F8677D}" type="slidenum">
+              <a:t>‹#›</a:t>
+            </a:fld>
+            <a:endParaRPr/>
           </a:p>
         </p:txBody>
       </p:sp>
@@ -2982,12 +3024,12 @@
   <p:clrMapOvr>
     <a:masterClrMapping/>
   </p:clrMapOvr>
-  <p:transition xmlns:p14="http://schemas.microsoft.com/office/powerpoint/2010/main" spd="med" advClick="1"/>
+  <p:transition spd="med"/>
 </p:sldLayout>
 </file>
 
 <file path=ppt/slideLayouts/slideLayout8.xml><?xml version="1.0" encoding="utf-8"?>
-<p:sldLayout xmlns:a="http://schemas.openxmlformats.org/drawingml/2006/main" xmlns:r="http://schemas.openxmlformats.org/officeDocument/2006/relationships" xmlns:p="http://schemas.openxmlformats.org/presentationml/2006/main" xmlns:m="http://schemas.openxmlformats.org/officeDocument/2006/math" xmlns:a14="http://schemas.microsoft.com/office/drawing/2010/main" type="tx" showMasterSp="1" showMasterPhAnim="1">
+<p:sldLayout xmlns:a="http://schemas.openxmlformats.org/drawingml/2006/main" xmlns:r="http://schemas.openxmlformats.org/officeDocument/2006/relationships" xmlns:p="http://schemas.openxmlformats.org/presentationml/2006/main" type="tx">
   <p:cSld name="Title Only">
     <p:spTree>
       <p:nvGrpSpPr>
@@ -3006,7 +3048,9 @@
       <p:sp>
         <p:nvSpPr>
           <p:cNvPr id="79" name="Slide Title"/>
-          <p:cNvSpPr txBox="1"/>
+          <p:cNvSpPr txBox="1">
+            <a:spLocks noGrp="1"/>
+          </p:cNvSpPr>
           <p:nvPr>
             <p:ph type="title" hasCustomPrompt="1"/>
           </p:nvPr>
@@ -3022,14 +3066,14 @@
         </p:spPr>
         <p:txBody>
           <a:bodyPr lIns="16073" tIns="16073" rIns="16073" bIns="16073" anchor="t">
-            <a:normAutofit fontScale="100000" lnSpcReduction="0"/>
+            <a:normAutofit/>
           </a:bodyPr>
           <a:lstStyle>
             <a:lvl1pPr defTabSz="2438339">
               <a:lnSpc>
                 <a:spcPct val="80000"/>
               </a:lnSpc>
-              <a:defRPr b="1" spc="-164" sz="8200">
+              <a:defRPr sz="8200" b="1" spc="-164">
                 <a:latin typeface="+mn-lt"/>
                 <a:ea typeface="+mn-ea"/>
                 <a:cs typeface="+mn-cs"/>
@@ -3038,7 +3082,6 @@
             </a:lvl1pPr>
           </a:lstStyle>
           <a:p>
-            <a:pPr/>
             <a:r>
               <a:t>Slide Title</a:t>
             </a:r>
@@ -3048,7 +3091,9 @@
       <p:sp>
         <p:nvSpPr>
           <p:cNvPr id="80" name="Slide Subtitle"/>
-          <p:cNvSpPr txBox="1"/>
+          <p:cNvSpPr txBox="1">
+            <a:spLocks noGrp="1"/>
+          </p:cNvSpPr>
           <p:nvPr>
             <p:ph type="body" sz="quarter" idx="21" hasCustomPrompt="1"/>
           </p:nvPr>
@@ -3064,7 +3109,7 @@
         </p:spPr>
         <p:txBody>
           <a:bodyPr lIns="14466" tIns="14466" rIns="14466" bIns="14466">
-            <a:normAutofit fontScale="100000" lnSpcReduction="0"/>
+            <a:normAutofit/>
           </a:bodyPr>
           <a:lstStyle>
             <a:lvl1pPr marL="0" indent="0" defTabSz="330200">
@@ -3073,11 +3118,10 @@
               </a:spcBef>
               <a:buSzTx/>
               <a:buNone/>
-              <a:defRPr b="1" sz="2160"/>
+              <a:defRPr sz="2160" b="1"/>
             </a:lvl1pPr>
           </a:lstStyle>
           <a:p>
-            <a:pPr/>
             <a:r>
               <a:t>Slide Subtitle</a:t>
             </a:r>
@@ -3087,7 +3131,9 @@
       <p:sp>
         <p:nvSpPr>
           <p:cNvPr id="81" name="Slide Number"/>
-          <p:cNvSpPr txBox="1"/>
+          <p:cNvSpPr txBox="1">
+            <a:spLocks noGrp="1"/>
+          </p:cNvSpPr>
           <p:nvPr>
             <p:ph type="sldNum" sz="quarter" idx="2"/>
           </p:nvPr>
@@ -3109,8 +3155,10 @@
             </a:lvl1pPr>
           </a:lstStyle>
           <a:p>
-            <a:pPr/>
-            <a:fld id="{86CB4B4D-7CA3-9044-876B-883B54F8677D}" type="slidenum"/>
+            <a:fld id="{86CB4B4D-7CA3-9044-876B-883B54F8677D}" type="slidenum">
+              <a:t>‹#›</a:t>
+            </a:fld>
+            <a:endParaRPr/>
           </a:p>
         </p:txBody>
       </p:sp>
@@ -3119,12 +3167,12 @@
   <p:clrMapOvr>
     <a:masterClrMapping/>
   </p:clrMapOvr>
-  <p:transition xmlns:p14="http://schemas.microsoft.com/office/powerpoint/2010/main" spd="med" advClick="1"/>
+  <p:transition spd="med"/>
 </p:sldLayout>
 </file>
 
 <file path=ppt/slideLayouts/slideLayout9.xml><?xml version="1.0" encoding="utf-8"?>
-<p:sldLayout xmlns:a="http://schemas.openxmlformats.org/drawingml/2006/main" xmlns:r="http://schemas.openxmlformats.org/officeDocument/2006/relationships" xmlns:p="http://schemas.openxmlformats.org/presentationml/2006/main" xmlns:m="http://schemas.openxmlformats.org/officeDocument/2006/math" xmlns:a14="http://schemas.microsoft.com/office/drawing/2010/main" type="tx" showMasterSp="1" showMasterPhAnim="1">
+<p:sldLayout xmlns:a="http://schemas.openxmlformats.org/drawingml/2006/main" xmlns:r="http://schemas.openxmlformats.org/officeDocument/2006/relationships" xmlns:p="http://schemas.openxmlformats.org/presentationml/2006/main" type="tx">
   <p:cSld name="Agenda">
     <p:spTree>
       <p:nvGrpSpPr>
@@ -3143,7 +3191,9 @@
       <p:sp>
         <p:nvSpPr>
           <p:cNvPr id="88" name="Agenda Title"/>
-          <p:cNvSpPr txBox="1"/>
+          <p:cNvSpPr txBox="1">
+            <a:spLocks noGrp="1"/>
+          </p:cNvSpPr>
           <p:nvPr>
             <p:ph type="title" hasCustomPrompt="1"/>
           </p:nvPr>
@@ -3159,14 +3209,14 @@
         </p:spPr>
         <p:txBody>
           <a:bodyPr lIns="16073" tIns="16073" rIns="16073" bIns="16073" anchor="t">
-            <a:normAutofit fontScale="100000" lnSpcReduction="0"/>
+            <a:normAutofit/>
           </a:bodyPr>
           <a:lstStyle>
             <a:lvl1pPr defTabSz="2438339">
               <a:lnSpc>
                 <a:spcPct val="80000"/>
               </a:lnSpc>
-              <a:defRPr b="1" spc="-164" sz="8200">
+              <a:defRPr sz="8200" b="1" spc="-164">
                 <a:latin typeface="+mn-lt"/>
                 <a:ea typeface="+mn-ea"/>
                 <a:cs typeface="+mn-cs"/>
@@ -3175,7 +3225,6 @@
             </a:lvl1pPr>
           </a:lstStyle>
           <a:p>
-            <a:pPr/>
             <a:r>
               <a:t>Agenda Title</a:t>
             </a:r>
@@ -3185,7 +3234,9 @@
       <p:sp>
         <p:nvSpPr>
           <p:cNvPr id="89" name="Agenda Subtitle"/>
-          <p:cNvSpPr txBox="1"/>
+          <p:cNvSpPr txBox="1">
+            <a:spLocks noGrp="1"/>
+          </p:cNvSpPr>
           <p:nvPr>
             <p:ph type="body" sz="quarter" idx="21" hasCustomPrompt="1"/>
           </p:nvPr>
@@ -3201,7 +3252,7 @@
         </p:spPr>
         <p:txBody>
           <a:bodyPr lIns="14466" tIns="14466" rIns="14466" bIns="14466">
-            <a:normAutofit fontScale="100000" lnSpcReduction="0"/>
+            <a:normAutofit/>
           </a:bodyPr>
           <a:lstStyle>
             <a:lvl1pPr marL="0" indent="0" defTabSz="330200">
@@ -3210,11 +3261,10 @@
               </a:spcBef>
               <a:buSzTx/>
               <a:buNone/>
-              <a:defRPr b="1" sz="2160"/>
+              <a:defRPr sz="2160" b="1"/>
             </a:lvl1pPr>
           </a:lstStyle>
           <a:p>
-            <a:pPr/>
             <a:r>
               <a:t>Agenda Subtitle</a:t>
             </a:r>
@@ -3224,7 +3274,9 @@
       <p:sp>
         <p:nvSpPr>
           <p:cNvPr id="90" name="Body Level One…"/>
-          <p:cNvSpPr txBox="1"/>
+          <p:cNvSpPr txBox="1">
+            <a:spLocks noGrp="1"/>
+          </p:cNvSpPr>
           <p:nvPr>
             <p:ph type="body" sz="quarter" idx="1" hasCustomPrompt="1"/>
           </p:nvPr>
@@ -3240,7 +3292,7 @@
         </p:spPr>
         <p:txBody>
           <a:bodyPr lIns="16073" tIns="16073" rIns="16073" bIns="16073">
-            <a:normAutofit fontScale="100000" lnSpcReduction="0"/>
+            <a:normAutofit/>
           </a:bodyPr>
           <a:lstStyle>
             <a:lvl1pPr marL="0" indent="0" defTabSz="825500">
@@ -3249,7 +3301,7 @@
               </a:spcBef>
               <a:buSzTx/>
               <a:buNone/>
-              <a:defRPr spc="-53" sz="5400"/>
+              <a:defRPr sz="5400" spc="-53"/>
             </a:lvl1pPr>
             <a:lvl2pPr marL="0" indent="457200" defTabSz="825500">
               <a:spcBef>
@@ -3257,7 +3309,7 @@
               </a:spcBef>
               <a:buSzTx/>
               <a:buNone/>
-              <a:defRPr spc="-53" sz="5400"/>
+              <a:defRPr sz="5400" spc="-53"/>
             </a:lvl2pPr>
             <a:lvl3pPr marL="0" indent="914400" defTabSz="825500">
               <a:spcBef>
@@ -3265,7 +3317,7 @@
               </a:spcBef>
               <a:buSzTx/>
               <a:buNone/>
-              <a:defRPr spc="-53" sz="5400"/>
+              <a:defRPr sz="5400" spc="-53"/>
             </a:lvl3pPr>
             <a:lvl4pPr marL="0" indent="1371600" defTabSz="825500">
               <a:spcBef>
@@ -3273,7 +3325,7 @@
               </a:spcBef>
               <a:buSzTx/>
               <a:buNone/>
-              <a:defRPr spc="-53" sz="5400"/>
+              <a:defRPr sz="5400" spc="-53"/>
             </a:lvl4pPr>
             <a:lvl5pPr marL="0" indent="1828800" defTabSz="825500">
               <a:spcBef>
@@ -3281,45 +3333,38 @@
               </a:spcBef>
               <a:buSzTx/>
               <a:buNone/>
-              <a:defRPr spc="-53" sz="5400"/>
+              <a:defRPr sz="5400" spc="-53"/>
             </a:lvl5pPr>
           </a:lstStyle>
           <a:p>
-            <a:pPr/>
             <a:r>
               <a:t>Agenda Topics</a:t>
             </a:r>
           </a:p>
           <a:p>
             <a:pPr lvl="1"/>
-            <a:r>
-              <a:t/>
-            </a:r>
+            <a:endParaRPr/>
           </a:p>
           <a:p>
             <a:pPr lvl="2"/>
-            <a:r>
-              <a:t/>
-            </a:r>
+            <a:endParaRPr/>
           </a:p>
           <a:p>
             <a:pPr lvl="3"/>
-            <a:r>
-              <a:t/>
-            </a:r>
+            <a:endParaRPr/>
           </a:p>
           <a:p>
             <a:pPr lvl="4"/>
-            <a:r>
-              <a:t/>
-            </a:r>
+            <a:endParaRPr/>
           </a:p>
         </p:txBody>
       </p:sp>
       <p:sp>
         <p:nvSpPr>
           <p:cNvPr id="91" name="Slide Number"/>
-          <p:cNvSpPr txBox="1"/>
+          <p:cNvSpPr txBox="1">
+            <a:spLocks noGrp="1"/>
+          </p:cNvSpPr>
           <p:nvPr>
             <p:ph type="sldNum" sz="quarter" idx="2"/>
           </p:nvPr>
@@ -3341,8 +3386,10 @@
             </a:lvl1pPr>
           </a:lstStyle>
           <a:p>
-            <a:pPr/>
-            <a:fld id="{86CB4B4D-7CA3-9044-876B-883B54F8677D}" type="slidenum"/>
+            <a:fld id="{86CB4B4D-7CA3-9044-876B-883B54F8677D}" type="slidenum">
+              <a:t>‹#›</a:t>
+            </a:fld>
+            <a:endParaRPr/>
           </a:p>
         </p:txBody>
       </p:sp>
@@ -3351,18 +3398,19 @@
   <p:clrMapOvr>
     <a:masterClrMapping/>
   </p:clrMapOvr>
-  <p:transition xmlns:p14="http://schemas.microsoft.com/office/powerpoint/2010/main" spd="med" advClick="1"/>
+  <p:transition spd="med"/>
 </p:sldLayout>
 </file>
 
 <file path=ppt/slideMasters/slideMaster1.xml><?xml version="1.0" encoding="utf-8"?>
-<p:sldMaster xmlns:a="http://schemas.openxmlformats.org/drawingml/2006/main" xmlns:r="http://schemas.openxmlformats.org/officeDocument/2006/relationships" xmlns:p="http://schemas.openxmlformats.org/presentationml/2006/main" xmlns:m="http://schemas.openxmlformats.org/officeDocument/2006/math" xmlns:a14="http://schemas.microsoft.com/office/drawing/2010/main">
+<p:sldMaster xmlns:a="http://schemas.openxmlformats.org/drawingml/2006/main" xmlns:r="http://schemas.openxmlformats.org/officeDocument/2006/relationships" xmlns:p="http://schemas.openxmlformats.org/presentationml/2006/main">
   <p:cSld>
     <p:bg>
       <p:bgPr>
         <a:solidFill>
           <a:srgbClr val="FFFFFF"/>
         </a:solidFill>
+        <a:effectLst/>
       </p:bgPr>
     </p:bg>
     <p:spTree>
@@ -3382,7 +3430,9 @@
       <p:sp>
         <p:nvSpPr>
           <p:cNvPr id="2" name="Title Text"/>
-          <p:cNvSpPr txBox="1"/>
+          <p:cNvSpPr txBox="1">
+            <a:spLocks noGrp="1"/>
+          </p:cNvSpPr>
           <p:nvPr>
             <p:ph type="title"/>
           </p:nvPr>
@@ -3400,7 +3450,7 @@
           </a:ln>
           <a:extLst>
             <a:ext uri="{C572A759-6A51-4108-AA02-DFA0A04FC94B}">
-              <ma14:wrappingTextBoxFlag xmlns:ma14="http://schemas.microsoft.com/office/mac/drawingml/2011/main" val="1"/>
+              <ma14:wrappingTextBoxFlag xmlns:ma14="http://schemas.microsoft.com/office/mac/drawingml/2011/main" xmlns:a14="http://schemas.microsoft.com/office/drawing/2010/main" xmlns:m="http://schemas.openxmlformats.org/officeDocument/2006/math" xmlns="" val="1"/>
             </a:ext>
           </a:extLst>
         </p:spPr>
@@ -3408,7 +3458,6 @@
           <a:bodyPr lIns="71437" tIns="71437" rIns="71437" bIns="71437" anchor="b"/>
           <a:lstStyle/>
           <a:p>
-            <a:pPr/>
             <a:r>
               <a:t>Title Text</a:t>
             </a:r>
@@ -3418,7 +3467,9 @@
       <p:sp>
         <p:nvSpPr>
           <p:cNvPr id="3" name="Body Level One…"/>
-          <p:cNvSpPr txBox="1"/>
+          <p:cNvSpPr txBox="1">
+            <a:spLocks noGrp="1"/>
+          </p:cNvSpPr>
           <p:nvPr>
             <p:ph type="body" idx="1"/>
           </p:nvPr>
@@ -3436,7 +3487,7 @@
           </a:ln>
           <a:extLst>
             <a:ext uri="{C572A759-6A51-4108-AA02-DFA0A04FC94B}">
-              <ma14:wrappingTextBoxFlag xmlns:ma14="http://schemas.microsoft.com/office/mac/drawingml/2011/main" val="1"/>
+              <ma14:wrappingTextBoxFlag xmlns:ma14="http://schemas.microsoft.com/office/mac/drawingml/2011/main" xmlns:a14="http://schemas.microsoft.com/office/drawing/2010/main" xmlns:m="http://schemas.openxmlformats.org/officeDocument/2006/math" xmlns="" val="1"/>
             </a:ext>
           </a:extLst>
         </p:spPr>
@@ -3444,7 +3495,6 @@
           <a:bodyPr lIns="71437" tIns="71437" rIns="71437" bIns="71437"/>
           <a:lstStyle/>
           <a:p>
-            <a:pPr/>
             <a:r>
               <a:t>Body Level One</a:t>
             </a:r>
@@ -3478,7 +3528,9 @@
       <p:sp>
         <p:nvSpPr>
           <p:cNvPr id="4" name="Slide Number"/>
-          <p:cNvSpPr txBox="1"/>
+          <p:cNvSpPr txBox="1">
+            <a:spLocks noGrp="1"/>
+          </p:cNvSpPr>
           <p:nvPr>
             <p:ph type="sldNum" sz="quarter" idx="2"/>
           </p:nvPr>
@@ -3509,8 +3561,10 @@
             </a:lvl1pPr>
           </a:lstStyle>
           <a:p>
-            <a:pPr/>
-            <a:fld id="{86CB4B4D-7CA3-9044-876B-883B54F8677D}" type="slidenum"/>
+            <a:fld id="{86CB4B4D-7CA3-9044-876B-883B54F8677D}" type="slidenum">
+              <a:t>‹#›</a:t>
+            </a:fld>
+            <a:endParaRPr/>
           </a:p>
         </p:txBody>
       </p:sp>
@@ -3518,24 +3572,24 @@
   </p:cSld>
   <p:clrMap bg1="lt1" tx1="dk1" bg2="lt2" tx2="dk2" accent1="accent1" accent2="accent2" accent3="accent3" accent4="accent4" accent5="accent5" accent6="accent6" hlink="hlink" folHlink="folHlink"/>
   <p:sldLayoutIdLst>
-    <p:sldLayoutId id="2147483649" r:id="rId2"/>
-    <p:sldLayoutId id="2147483650" r:id="rId3"/>
-    <p:sldLayoutId id="2147483651" r:id="rId4"/>
-    <p:sldLayoutId id="2147483652" r:id="rId5"/>
-    <p:sldLayoutId id="2147483653" r:id="rId6"/>
-    <p:sldLayoutId id="2147483654" r:id="rId7"/>
-    <p:sldLayoutId id="2147483655" r:id="rId8"/>
-    <p:sldLayoutId id="2147483656" r:id="rId9"/>
-    <p:sldLayoutId id="2147483657" r:id="rId10"/>
-    <p:sldLayoutId id="2147483658" r:id="rId11"/>
-    <p:sldLayoutId id="2147483659" r:id="rId12"/>
-    <p:sldLayoutId id="2147483660" r:id="rId13"/>
-    <p:sldLayoutId id="2147483661" r:id="rId14"/>
-    <p:sldLayoutId id="2147483662" r:id="rId15"/>
-    <p:sldLayoutId id="2147483663" r:id="rId16"/>
-    <p:sldLayoutId id="2147483664" r:id="rId17"/>
+    <p:sldLayoutId id="2147483649" r:id="rId1"/>
+    <p:sldLayoutId id="2147483650" r:id="rId2"/>
+    <p:sldLayoutId id="2147483651" r:id="rId3"/>
+    <p:sldLayoutId id="2147483652" r:id="rId4"/>
+    <p:sldLayoutId id="2147483653" r:id="rId5"/>
+    <p:sldLayoutId id="2147483654" r:id="rId6"/>
+    <p:sldLayoutId id="2147483655" r:id="rId7"/>
+    <p:sldLayoutId id="2147483656" r:id="rId8"/>
+    <p:sldLayoutId id="2147483657" r:id="rId9"/>
+    <p:sldLayoutId id="2147483658" r:id="rId10"/>
+    <p:sldLayoutId id="2147483659" r:id="rId11"/>
+    <p:sldLayoutId id="2147483660" r:id="rId12"/>
+    <p:sldLayoutId id="2147483661" r:id="rId13"/>
+    <p:sldLayoutId id="2147483662" r:id="rId14"/>
+    <p:sldLayoutId id="2147483663" r:id="rId15"/>
+    <p:sldLayoutId id="2147483664" r:id="rId16"/>
   </p:sldLayoutIdLst>
-  <p:transition xmlns:p14="http://schemas.microsoft.com/office/powerpoint/2010/main" spd="med" advClick="1"/>
+  <p:transition spd="med"/>
   <p:txStyles>
     <p:titleStyle>
       <a:lvl1pPr marL="0" marR="0" indent="0" algn="l" defTabSz="821531" latinLnBrk="0">
@@ -3553,7 +3607,7 @@
         <a:buFontTx/>
         <a:buNone/>
         <a:tabLst/>
-        <a:defRPr b="0" baseline="0" cap="none" i="0" spc="0" strike="noStrike" sz="5800" u="none">
+        <a:defRPr sz="5800" b="0" i="0" u="none" strike="noStrike" cap="none" spc="0" baseline="0">
           <a:solidFill>
             <a:srgbClr val="000000"/>
           </a:solidFill>
@@ -3579,7 +3633,7 @@
         <a:buFontTx/>
         <a:buNone/>
         <a:tabLst/>
-        <a:defRPr b="0" baseline="0" cap="none" i="0" spc="0" strike="noStrike" sz="5800" u="none">
+        <a:defRPr sz="5800" b="0" i="0" u="none" strike="noStrike" cap="none" spc="0" baseline="0">
           <a:solidFill>
             <a:srgbClr val="000000"/>
           </a:solidFill>
@@ -3605,7 +3659,7 @@
         <a:buFontTx/>
         <a:buNone/>
         <a:tabLst/>
-        <a:defRPr b="0" baseline="0" cap="none" i="0" spc="0" strike="noStrike" sz="5800" u="none">
+        <a:defRPr sz="5800" b="0" i="0" u="none" strike="noStrike" cap="none" spc="0" baseline="0">
           <a:solidFill>
             <a:srgbClr val="000000"/>
           </a:solidFill>
@@ -3631,7 +3685,7 @@
         <a:buFontTx/>
         <a:buNone/>
         <a:tabLst/>
-        <a:defRPr b="0" baseline="0" cap="none" i="0" spc="0" strike="noStrike" sz="5800" u="none">
+        <a:defRPr sz="5800" b="0" i="0" u="none" strike="noStrike" cap="none" spc="0" baseline="0">
           <a:solidFill>
             <a:srgbClr val="000000"/>
           </a:solidFill>
@@ -3657,7 +3711,7 @@
         <a:buFontTx/>
         <a:buNone/>
         <a:tabLst/>
-        <a:defRPr b="0" baseline="0" cap="none" i="0" spc="0" strike="noStrike" sz="5800" u="none">
+        <a:defRPr sz="5800" b="0" i="0" u="none" strike="noStrike" cap="none" spc="0" baseline="0">
           <a:solidFill>
             <a:srgbClr val="000000"/>
           </a:solidFill>
@@ -3683,7 +3737,7 @@
         <a:buFontTx/>
         <a:buNone/>
         <a:tabLst/>
-        <a:defRPr b="0" baseline="0" cap="none" i="0" spc="0" strike="noStrike" sz="5800" u="none">
+        <a:defRPr sz="5800" b="0" i="0" u="none" strike="noStrike" cap="none" spc="0" baseline="0">
           <a:solidFill>
             <a:srgbClr val="000000"/>
           </a:solidFill>
@@ -3709,7 +3763,7 @@
         <a:buFontTx/>
         <a:buNone/>
         <a:tabLst/>
-        <a:defRPr b="0" baseline="0" cap="none" i="0" spc="0" strike="noStrike" sz="5800" u="none">
+        <a:defRPr sz="5800" b="0" i="0" u="none" strike="noStrike" cap="none" spc="0" baseline="0">
           <a:solidFill>
             <a:srgbClr val="000000"/>
           </a:solidFill>
@@ -3735,7 +3789,7 @@
         <a:buFontTx/>
         <a:buNone/>
         <a:tabLst/>
-        <a:defRPr b="0" baseline="0" cap="none" i="0" spc="0" strike="noStrike" sz="5800" u="none">
+        <a:defRPr sz="5800" b="0" i="0" u="none" strike="noStrike" cap="none" spc="0" baseline="0">
           <a:solidFill>
             <a:srgbClr val="000000"/>
           </a:solidFill>
@@ -3761,7 +3815,7 @@
         <a:buFontTx/>
         <a:buNone/>
         <a:tabLst/>
-        <a:defRPr b="0" baseline="0" cap="none" i="0" spc="0" strike="noStrike" sz="5800" u="none">
+        <a:defRPr sz="5800" b="0" i="0" u="none" strike="noStrike" cap="none" spc="0" baseline="0">
           <a:solidFill>
             <a:srgbClr val="000000"/>
           </a:solidFill>
@@ -3789,7 +3843,7 @@
         <a:buFontTx/>
         <a:buChar char="•"/>
         <a:tabLst/>
-        <a:defRPr b="0" baseline="0" cap="none" i="0" spc="0" strike="noStrike" sz="3600" u="none">
+        <a:defRPr sz="3600" b="0" i="0" u="none" strike="noStrike" cap="none" spc="0" baseline="0">
           <a:solidFill>
             <a:srgbClr val="000000"/>
           </a:solidFill>
@@ -3815,7 +3869,7 @@
         <a:buFontTx/>
         <a:buChar char="•"/>
         <a:tabLst/>
-        <a:defRPr b="0" baseline="0" cap="none" i="0" spc="0" strike="noStrike" sz="3600" u="none">
+        <a:defRPr sz="3600" b="0" i="0" u="none" strike="noStrike" cap="none" spc="0" baseline="0">
           <a:solidFill>
             <a:srgbClr val="000000"/>
           </a:solidFill>
@@ -3841,7 +3895,7 @@
         <a:buFontTx/>
         <a:buChar char="•"/>
         <a:tabLst/>
-        <a:defRPr b="0" baseline="0" cap="none" i="0" spc="0" strike="noStrike" sz="3600" u="none">
+        <a:defRPr sz="3600" b="0" i="0" u="none" strike="noStrike" cap="none" spc="0" baseline="0">
           <a:solidFill>
             <a:srgbClr val="000000"/>
           </a:solidFill>
@@ -3867,7 +3921,7 @@
         <a:buFontTx/>
         <a:buChar char="•"/>
         <a:tabLst/>
-        <a:defRPr b="0" baseline="0" cap="none" i="0" spc="0" strike="noStrike" sz="3600" u="none">
+        <a:defRPr sz="3600" b="0" i="0" u="none" strike="noStrike" cap="none" spc="0" baseline="0">
           <a:solidFill>
             <a:srgbClr val="000000"/>
           </a:solidFill>
@@ -3893,7 +3947,7 @@
         <a:buFontTx/>
         <a:buChar char="•"/>
         <a:tabLst/>
-        <a:defRPr b="0" baseline="0" cap="none" i="0" spc="0" strike="noStrike" sz="3600" u="none">
+        <a:defRPr sz="3600" b="0" i="0" u="none" strike="noStrike" cap="none" spc="0" baseline="0">
           <a:solidFill>
             <a:srgbClr val="000000"/>
           </a:solidFill>
@@ -3919,7 +3973,7 @@
         <a:buFontTx/>
         <a:buChar char="•"/>
         <a:tabLst/>
-        <a:defRPr b="0" baseline="0" cap="none" i="0" spc="0" strike="noStrike" sz="3600" u="none">
+        <a:defRPr sz="3600" b="0" i="0" u="none" strike="noStrike" cap="none" spc="0" baseline="0">
           <a:solidFill>
             <a:srgbClr val="000000"/>
           </a:solidFill>
@@ -3945,7 +3999,7 @@
         <a:buFontTx/>
         <a:buChar char="•"/>
         <a:tabLst/>
-        <a:defRPr b="0" baseline="0" cap="none" i="0" spc="0" strike="noStrike" sz="3600" u="none">
+        <a:defRPr sz="3600" b="0" i="0" u="none" strike="noStrike" cap="none" spc="0" baseline="0">
           <a:solidFill>
             <a:srgbClr val="000000"/>
           </a:solidFill>
@@ -3971,7 +4025,7 @@
         <a:buFontTx/>
         <a:buChar char="•"/>
         <a:tabLst/>
-        <a:defRPr b="0" baseline="0" cap="none" i="0" spc="0" strike="noStrike" sz="3600" u="none">
+        <a:defRPr sz="3600" b="0" i="0" u="none" strike="noStrike" cap="none" spc="0" baseline="0">
           <a:solidFill>
             <a:srgbClr val="000000"/>
           </a:solidFill>
@@ -3997,7 +4051,7 @@
         <a:buFontTx/>
         <a:buChar char="•"/>
         <a:tabLst/>
-        <a:defRPr b="0" baseline="0" cap="none" i="0" spc="0" strike="noStrike" sz="3600" u="none">
+        <a:defRPr sz="3600" b="0" i="0" u="none" strike="noStrike" cap="none" spc="0" baseline="0">
           <a:solidFill>
             <a:srgbClr val="000000"/>
           </a:solidFill>
@@ -4025,7 +4079,7 @@
         <a:buFontTx/>
         <a:buNone/>
         <a:tabLst/>
-        <a:defRPr b="0" baseline="0" cap="none" i="0" spc="0" strike="noStrike" sz="1800" u="none">
+        <a:defRPr sz="1800" b="0" i="0" u="none" strike="noStrike" cap="none" spc="0" baseline="0">
           <a:solidFill>
             <a:schemeClr val="tx1"/>
           </a:solidFill>
@@ -4051,7 +4105,7 @@
         <a:buFontTx/>
         <a:buNone/>
         <a:tabLst/>
-        <a:defRPr b="0" baseline="0" cap="none" i="0" spc="0" strike="noStrike" sz="1800" u="none">
+        <a:defRPr sz="1800" b="0" i="0" u="none" strike="noStrike" cap="none" spc="0" baseline="0">
           <a:solidFill>
             <a:schemeClr val="tx1"/>
           </a:solidFill>
@@ -4077,7 +4131,7 @@
         <a:buFontTx/>
         <a:buNone/>
         <a:tabLst/>
-        <a:defRPr b="0" baseline="0" cap="none" i="0" spc="0" strike="noStrike" sz="1800" u="none">
+        <a:defRPr sz="1800" b="0" i="0" u="none" strike="noStrike" cap="none" spc="0" baseline="0">
           <a:solidFill>
             <a:schemeClr val="tx1"/>
           </a:solidFill>
@@ -4103,7 +4157,7 @@
         <a:buFontTx/>
         <a:buNone/>
         <a:tabLst/>
-        <a:defRPr b="0" baseline="0" cap="none" i="0" spc="0" strike="noStrike" sz="1800" u="none">
+        <a:defRPr sz="1800" b="0" i="0" u="none" strike="noStrike" cap="none" spc="0" baseline="0">
           <a:solidFill>
             <a:schemeClr val="tx1"/>
           </a:solidFill>
@@ -4129,7 +4183,7 @@
         <a:buFontTx/>
         <a:buNone/>
         <a:tabLst/>
-        <a:defRPr b="0" baseline="0" cap="none" i="0" spc="0" strike="noStrike" sz="1800" u="none">
+        <a:defRPr sz="1800" b="0" i="0" u="none" strike="noStrike" cap="none" spc="0" baseline="0">
           <a:solidFill>
             <a:schemeClr val="tx1"/>
           </a:solidFill>
@@ -4155,7 +4209,7 @@
         <a:buFontTx/>
         <a:buNone/>
         <a:tabLst/>
-        <a:defRPr b="0" baseline="0" cap="none" i="0" spc="0" strike="noStrike" sz="1800" u="none">
+        <a:defRPr sz="1800" b="0" i="0" u="none" strike="noStrike" cap="none" spc="0" baseline="0">
           <a:solidFill>
             <a:schemeClr val="tx1"/>
           </a:solidFill>
@@ -4181,7 +4235,7 @@
         <a:buFontTx/>
         <a:buNone/>
         <a:tabLst/>
-        <a:defRPr b="0" baseline="0" cap="none" i="0" spc="0" strike="noStrike" sz="1800" u="none">
+        <a:defRPr sz="1800" b="0" i="0" u="none" strike="noStrike" cap="none" spc="0" baseline="0">
           <a:solidFill>
             <a:schemeClr val="tx1"/>
           </a:solidFill>
@@ -4207,7 +4261,7 @@
         <a:buFontTx/>
         <a:buNone/>
         <a:tabLst/>
-        <a:defRPr b="0" baseline="0" cap="none" i="0" spc="0" strike="noStrike" sz="1800" u="none">
+        <a:defRPr sz="1800" b="0" i="0" u="none" strike="noStrike" cap="none" spc="0" baseline="0">
           <a:solidFill>
             <a:schemeClr val="tx1"/>
           </a:solidFill>
@@ -4233,7 +4287,7 @@
         <a:buFontTx/>
         <a:buNone/>
         <a:tabLst/>
-        <a:defRPr b="0" baseline="0" cap="none" i="0" spc="0" strike="noStrike" sz="1800" u="none">
+        <a:defRPr sz="1800" b="0" i="0" u="none" strike="noStrike" cap="none" spc="0" baseline="0">
           <a:solidFill>
             <a:schemeClr val="tx1"/>
           </a:solidFill>
@@ -4250,11 +4304,17 @@
 </file>
 
 <file path=ppt/slides/slide1.xml><?xml version="1.0" encoding="utf-8"?>
-<p:sld xmlns:a="http://schemas.openxmlformats.org/drawingml/2006/main" xmlns:r="http://schemas.openxmlformats.org/officeDocument/2006/relationships" xmlns:p="http://schemas.openxmlformats.org/presentationml/2006/main" xmlns:m="http://schemas.openxmlformats.org/officeDocument/2006/math" xmlns:a14="http://schemas.microsoft.com/office/drawing/2010/main" showMasterSp="1" showMasterPhAnim="1">
+<p:sld xmlns:a="http://schemas.openxmlformats.org/drawingml/2006/main" xmlns:r="http://schemas.openxmlformats.org/officeDocument/2006/relationships" xmlns:p="http://schemas.openxmlformats.org/presentationml/2006/main">
   <p:cSld>
     <p:spTree>
       <p:nvGrpSpPr>
-        <p:cNvPr id="1" name=""/>
+        <p:cNvPr id="1" name="">
+          <a:extLst>
+            <a:ext uri="{FF2B5EF4-FFF2-40B4-BE49-F238E27FC236}">
+              <a16:creationId xmlns:a16="http://schemas.microsoft.com/office/drawing/2014/main" id="{346CE2EC-8817-09DA-F4D9-3965B785DE29}"/>
+            </a:ext>
+          </a:extLst>
+        </p:cNvPr>
         <p:cNvGrpSpPr/>
         <p:nvPr/>
       </p:nvGrpSpPr>
@@ -4268,37 +4328,45 @@
       </p:grpSpPr>
       <p:pic>
         <p:nvPicPr>
-          <p:cNvPr id="160" name="Screenshot 2023-12-12 at 13.50.25.png" descr="Screenshot 2023-12-12 at 13.50.25.png"/>
+          <p:cNvPr id="5" name="Picture 4">
+            <a:extLst>
+              <a:ext uri="{FF2B5EF4-FFF2-40B4-BE49-F238E27FC236}">
+                <a16:creationId xmlns:a16="http://schemas.microsoft.com/office/drawing/2014/main" id="{A19A9D75-F0CD-0861-0137-35BDD9A96A16}"/>
+              </a:ext>
+            </a:extLst>
+          </p:cNvPr>
           <p:cNvPicPr>
             <a:picLocks noChangeAspect="1"/>
           </p:cNvPicPr>
           <p:nvPr/>
         </p:nvPicPr>
         <p:blipFill>
-          <a:blip r:embed="rId2">
-            <a:extLst/>
-          </a:blip>
-          <a:stretch>
-            <a:fillRect/>
-          </a:stretch>
+          <a:blip r:embed="rId2"/>
+          <a:srcRect b="2548"/>
+          <a:stretch/>
         </p:blipFill>
         <p:spPr>
           <a:xfrm>
-            <a:off x="10306056" y="-66029"/>
-            <a:ext cx="12379225" cy="13381279"/>
+            <a:off x="11734337" y="0"/>
+            <a:ext cx="10033781" cy="13547131"/>
           </a:xfrm>
           <a:prstGeom prst="rect">
             <a:avLst/>
           </a:prstGeom>
-          <a:ln w="3175">
-            <a:miter lim="400000"/>
-          </a:ln>
         </p:spPr>
       </p:pic>
       <p:sp>
         <p:nvSpPr>
-          <p:cNvPr id="161" name="Semester 1…"/>
-          <p:cNvSpPr txBox="1"/>
+          <p:cNvPr id="161" name="Semester 1…">
+            <a:extLst>
+              <a:ext uri="{FF2B5EF4-FFF2-40B4-BE49-F238E27FC236}">
+                <a16:creationId xmlns:a16="http://schemas.microsoft.com/office/drawing/2014/main" id="{BED86AEB-C01F-1074-A104-274D7B7F7BAE}"/>
+              </a:ext>
+            </a:extLst>
+          </p:cNvPr>
+          <p:cNvSpPr txBox="1">
+            <a:spLocks noGrp="1"/>
+          </p:cNvSpPr>
           <p:nvPr>
             <p:ph type="body" sz="quarter" idx="1"/>
           </p:nvPr>
@@ -4318,37 +4386,48 @@
           <a:p>
             <a:pPr algn="ctr"/>
             <a:r>
+              <a:rPr dirty="0"/>
               <a:t>Semester 1</a:t>
             </a:r>
           </a:p>
           <a:p>
             <a:pPr algn="ctr"/>
             <a:r>
-              <a:t> 2024</a:t>
+              <a:rPr dirty="0"/>
+              <a:t> 202</a:t>
             </a:r>
+            <a:r>
+              <a:rPr lang="en-IE" dirty="0"/>
+              <a:t>5</a:t>
+            </a:r>
+            <a:endParaRPr dirty="0"/>
           </a:p>
         </p:txBody>
       </p:sp>
       <p:pic>
         <p:nvPicPr>
-          <p:cNvPr id="162" name="course.png" descr="course.png"/>
+          <p:cNvPr id="163" name="Screenshot 2023-12-12 at 12.36.35.png" descr="Screenshot 2023-12-12 at 12.36.35.png">
+            <a:extLst>
+              <a:ext uri="{FF2B5EF4-FFF2-40B4-BE49-F238E27FC236}">
+                <a16:creationId xmlns:a16="http://schemas.microsoft.com/office/drawing/2014/main" id="{3DB3315D-D390-5E93-A923-842B95BDBD90}"/>
+              </a:ext>
+            </a:extLst>
+          </p:cNvPr>
           <p:cNvPicPr>
             <a:picLocks noChangeAspect="1"/>
           </p:cNvPicPr>
           <p:nvPr/>
         </p:nvPicPr>
         <p:blipFill>
-          <a:blip r:embed="rId3">
-            <a:extLst/>
-          </a:blip>
+          <a:blip r:embed="rId3"/>
           <a:stretch>
             <a:fillRect/>
           </a:stretch>
         </p:blipFill>
         <p:spPr>
           <a:xfrm>
-            <a:off x="481264" y="4062249"/>
-            <a:ext cx="3745943" cy="3745944"/>
+            <a:off x="4330017" y="1753316"/>
+            <a:ext cx="3619501" cy="5664201"/>
           </a:xfrm>
           <a:prstGeom prst="rect">
             <a:avLst/>
@@ -4360,23 +4439,27 @@
       </p:pic>
       <p:pic>
         <p:nvPicPr>
-          <p:cNvPr id="163" name="Screenshot 2023-12-12 at 12.36.35.png" descr="Screenshot 2023-12-12 at 12.36.35.png"/>
+          <p:cNvPr id="164" name="Screenshot 2023-12-12 at 12.37.27.png" descr="Screenshot 2023-12-12 at 12.37.27.png">
+            <a:extLst>
+              <a:ext uri="{FF2B5EF4-FFF2-40B4-BE49-F238E27FC236}">
+                <a16:creationId xmlns:a16="http://schemas.microsoft.com/office/drawing/2014/main" id="{5DB8A4EB-6BBD-77E6-3D6D-92A2C83A67C2}"/>
+              </a:ext>
+            </a:extLst>
+          </p:cNvPr>
           <p:cNvPicPr>
             <a:picLocks noChangeAspect="1"/>
           </p:cNvPicPr>
           <p:nvPr/>
         </p:nvPicPr>
         <p:blipFill>
-          <a:blip r:embed="rId4">
-            <a:extLst/>
-          </a:blip>
+          <a:blip r:embed="rId4"/>
           <a:stretch>
             <a:fillRect/>
           </a:stretch>
         </p:blipFill>
         <p:spPr>
           <a:xfrm>
-            <a:off x="4330017" y="1753316"/>
+            <a:off x="8052328" y="1753316"/>
             <a:ext cx="3619501" cy="5664201"/>
           </a:xfrm>
           <a:prstGeom prst="rect">
@@ -4389,24 +4472,28 @@
       </p:pic>
       <p:pic>
         <p:nvPicPr>
-          <p:cNvPr id="164" name="Screenshot 2023-12-12 at 12.37.27.png" descr="Screenshot 2023-12-12 at 12.37.27.png"/>
+          <p:cNvPr id="166" name="Screenshot 2023-12-12 at 13.04.04.png" descr="Screenshot 2023-12-12 at 13.04.04.png">
+            <a:extLst>
+              <a:ext uri="{FF2B5EF4-FFF2-40B4-BE49-F238E27FC236}">
+                <a16:creationId xmlns:a16="http://schemas.microsoft.com/office/drawing/2014/main" id="{979A3877-E681-DDD1-9E77-E8DD1164442C}"/>
+              </a:ext>
+            </a:extLst>
+          </p:cNvPr>
           <p:cNvPicPr>
             <a:picLocks noChangeAspect="1"/>
           </p:cNvPicPr>
           <p:nvPr/>
         </p:nvPicPr>
         <p:blipFill>
-          <a:blip r:embed="rId5">
-            <a:extLst/>
-          </a:blip>
+          <a:blip r:embed="rId5"/>
           <a:stretch>
             <a:fillRect/>
           </a:stretch>
         </p:blipFill>
         <p:spPr>
           <a:xfrm>
-            <a:off x="8052328" y="1753316"/>
-            <a:ext cx="3619501" cy="5664201"/>
+            <a:off x="21571666" y="168869"/>
+            <a:ext cx="2705293" cy="4233545"/>
           </a:xfrm>
           <a:prstGeom prst="rect">
             <a:avLst/>
@@ -4418,24 +4505,28 @@
       </p:pic>
       <p:pic>
         <p:nvPicPr>
-          <p:cNvPr id="165" name="Screenshot 2023-12-12 at 12.37.51.png" descr="Screenshot 2023-12-12 at 12.37.51.png"/>
+          <p:cNvPr id="167" name="Screenshot 2023-12-12 at 13.04.17.png" descr="Screenshot 2023-12-12 at 13.04.17.png">
+            <a:extLst>
+              <a:ext uri="{FF2B5EF4-FFF2-40B4-BE49-F238E27FC236}">
+                <a16:creationId xmlns:a16="http://schemas.microsoft.com/office/drawing/2014/main" id="{B9678075-D81E-2756-AD06-CCEC446FF0AD}"/>
+              </a:ext>
+            </a:extLst>
+          </p:cNvPr>
           <p:cNvPicPr>
             <a:picLocks noChangeAspect="1"/>
           </p:cNvPicPr>
           <p:nvPr/>
         </p:nvPicPr>
         <p:blipFill>
-          <a:blip r:embed="rId6">
-            <a:extLst/>
-          </a:blip>
+          <a:blip r:embed="rId6"/>
           <a:stretch>
             <a:fillRect/>
           </a:stretch>
         </p:blipFill>
         <p:spPr>
           <a:xfrm>
-            <a:off x="5904817" y="8024414"/>
-            <a:ext cx="3619501" cy="5664201"/>
+            <a:off x="21678707" y="9147733"/>
+            <a:ext cx="2705293" cy="4233546"/>
           </a:xfrm>
           <a:prstGeom prst="rect">
             <a:avLst/>
@@ -4445,67 +4536,15 @@
           </a:ln>
         </p:spPr>
       </p:pic>
-      <p:pic>
-        <p:nvPicPr>
-          <p:cNvPr id="166" name="Screenshot 2023-12-12 at 13.04.04.png" descr="Screenshot 2023-12-12 at 13.04.04.png"/>
-          <p:cNvPicPr>
-            <a:picLocks noChangeAspect="1"/>
-          </p:cNvPicPr>
-          <p:nvPr/>
-        </p:nvPicPr>
-        <p:blipFill>
-          <a:blip r:embed="rId7">
-            <a:extLst/>
-          </a:blip>
-          <a:stretch>
-            <a:fillRect/>
-          </a:stretch>
-        </p:blipFill>
-        <p:spPr>
-          <a:xfrm>
-            <a:off x="21571666" y="168869"/>
-            <a:ext cx="2705293" cy="4233545"/>
-          </a:xfrm>
-          <a:prstGeom prst="rect">
-            <a:avLst/>
-          </a:prstGeom>
-          <a:ln w="3175">
-            <a:miter lim="400000"/>
-          </a:ln>
-        </p:spPr>
-      </p:pic>
-      <p:pic>
-        <p:nvPicPr>
-          <p:cNvPr id="167" name="Screenshot 2023-12-12 at 13.04.17.png" descr="Screenshot 2023-12-12 at 13.04.17.png"/>
-          <p:cNvPicPr>
-            <a:picLocks noChangeAspect="1"/>
-          </p:cNvPicPr>
-          <p:nvPr/>
-        </p:nvPicPr>
-        <p:blipFill>
-          <a:blip r:embed="rId8">
-            <a:extLst/>
-          </a:blip>
-          <a:stretch>
-            <a:fillRect/>
-          </a:stretch>
-        </p:blipFill>
-        <p:spPr>
-          <a:xfrm>
-            <a:off x="21571666" y="8739741"/>
-            <a:ext cx="2705293" cy="4233546"/>
-          </a:xfrm>
-          <a:prstGeom prst="rect">
-            <a:avLst/>
-          </a:prstGeom>
-          <a:ln w="3175">
-            <a:miter lim="400000"/>
-          </a:ln>
-        </p:spPr>
-      </p:pic>
       <p:sp>
         <p:nvSpPr>
-          <p:cNvPr id="168" name="Arrow"/>
+          <p:cNvPr id="168" name="Arrow">
+            <a:extLst>
+              <a:ext uri="{FF2B5EF4-FFF2-40B4-BE49-F238E27FC236}">
+                <a16:creationId xmlns:a16="http://schemas.microsoft.com/office/drawing/2014/main" id="{03CB000D-533E-E701-7F24-B1B6C94CF58E}"/>
+              </a:ext>
+            </a:extLst>
+          </p:cNvPr>
           <p:cNvSpPr/>
           <p:nvPr/>
         </p:nvSpPr>
@@ -4534,7 +4573,7 @@
             </a:cxnLst>
             <a:rect l="0" t="0" r="r" b="b"/>
             <a:pathLst>
-              <a:path w="21600" h="21600" fill="norm" stroke="1" extrusionOk="0">
+              <a:path w="21600" h="21600" extrusionOk="0">
                 <a:moveTo>
                   <a:pt x="14371" y="14256"/>
                 </a:moveTo>
@@ -4586,18 +4625,25 @@
                 <a:sym typeface="Helvetica Neue Medium"/>
               </a:defRPr>
             </a:pPr>
+            <a:endParaRPr/>
           </a:p>
         </p:txBody>
       </p:sp>
       <p:sp>
         <p:nvSpPr>
-          <p:cNvPr id="169" name="Arrow"/>
+          <p:cNvPr id="169" name="Arrow">
+            <a:extLst>
+              <a:ext uri="{FF2B5EF4-FFF2-40B4-BE49-F238E27FC236}">
+                <a16:creationId xmlns:a16="http://schemas.microsoft.com/office/drawing/2014/main" id="{99B54E03-2CC0-2A94-CBC1-E821A90EE783}"/>
+              </a:ext>
+            </a:extLst>
+          </p:cNvPr>
           <p:cNvSpPr/>
           <p:nvPr/>
         </p:nvSpPr>
         <p:spPr>
           <a:xfrm>
-            <a:off x="20623761" y="9466355"/>
+            <a:off x="20608975" y="10101355"/>
             <a:ext cx="1221651" cy="1270001"/>
           </a:xfrm>
           <a:custGeom>
@@ -4620,7 +4666,7 @@
             </a:cxnLst>
             <a:rect l="0" t="0" r="r" b="b"/>
             <a:pathLst>
-              <a:path w="21600" h="21600" fill="norm" stroke="1" extrusionOk="0">
+              <a:path w="21600" h="21600" extrusionOk="0">
                 <a:moveTo>
                   <a:pt x="14371" y="14256"/>
                 </a:moveTo>
@@ -4672,20 +4718,86 @@
                 <a:sym typeface="Helvetica Neue Medium"/>
               </a:defRPr>
             </a:pPr>
+            <a:endParaRPr/>
           </a:p>
         </p:txBody>
       </p:sp>
+      <p:pic>
+        <p:nvPicPr>
+          <p:cNvPr id="3" name="Picture 2">
+            <a:extLst>
+              <a:ext uri="{FF2B5EF4-FFF2-40B4-BE49-F238E27FC236}">
+                <a16:creationId xmlns:a16="http://schemas.microsoft.com/office/drawing/2014/main" id="{60DD9DD0-4CE6-3A9F-B347-608ECD30724C}"/>
+              </a:ext>
+            </a:extLst>
+          </p:cNvPr>
+          <p:cNvPicPr>
+            <a:picLocks noChangeAspect="1"/>
+          </p:cNvPicPr>
+          <p:nvPr/>
+        </p:nvPicPr>
+        <p:blipFill>
+          <a:blip r:embed="rId7"/>
+          <a:stretch>
+            <a:fillRect/>
+          </a:stretch>
+        </p:blipFill>
+        <p:spPr>
+          <a:xfrm>
+            <a:off x="108552" y="3875788"/>
+            <a:ext cx="4118655" cy="4090251"/>
+          </a:xfrm>
+          <a:prstGeom prst="rect">
+            <a:avLst/>
+          </a:prstGeom>
+        </p:spPr>
+      </p:pic>
+      <p:pic>
+        <p:nvPicPr>
+          <p:cNvPr id="2" name="Picture 1">
+            <a:extLst>
+              <a:ext uri="{FF2B5EF4-FFF2-40B4-BE49-F238E27FC236}">
+                <a16:creationId xmlns:a16="http://schemas.microsoft.com/office/drawing/2014/main" id="{721DDBD8-6404-5449-EFA2-76D948738F7A}"/>
+              </a:ext>
+            </a:extLst>
+          </p:cNvPr>
+          <p:cNvPicPr>
+            <a:picLocks noChangeAspect="1"/>
+          </p:cNvPicPr>
+          <p:nvPr/>
+        </p:nvPicPr>
+        <p:blipFill>
+          <a:blip r:embed="rId8"/>
+          <a:stretch>
+            <a:fillRect/>
+          </a:stretch>
+        </p:blipFill>
+        <p:spPr>
+          <a:xfrm>
+            <a:off x="6222254" y="7940567"/>
+            <a:ext cx="3454528" cy="5440712"/>
+          </a:xfrm>
+          <a:prstGeom prst="rect">
+            <a:avLst/>
+          </a:prstGeom>
+        </p:spPr>
+      </p:pic>
     </p:spTree>
+    <p:extLst>
+      <p:ext uri="{BB962C8B-B14F-4D97-AF65-F5344CB8AC3E}">
+        <p14:creationId xmlns:p14="http://schemas.microsoft.com/office/powerpoint/2010/main" val="585946080"/>
+      </p:ext>
+    </p:extLst>
   </p:cSld>
   <p:clrMapOvr>
     <a:masterClrMapping/>
   </p:clrMapOvr>
-  <p:transition xmlns:p14="http://schemas.microsoft.com/office/powerpoint/2010/main" spd="med" advClick="1"/>
+  <p:transition spd="med"/>
 </p:sld>
 </file>
 
 <file path=ppt/slides/slide2.xml><?xml version="1.0" encoding="utf-8"?>
-<p:sld xmlns:a="http://schemas.openxmlformats.org/drawingml/2006/main" xmlns:r="http://schemas.openxmlformats.org/officeDocument/2006/relationships" xmlns:p="http://schemas.openxmlformats.org/presentationml/2006/main" xmlns:m="http://schemas.openxmlformats.org/officeDocument/2006/math" xmlns:a14="http://schemas.microsoft.com/office/drawing/2010/main" showMasterSp="1" showMasterPhAnim="1">
+<p:sld xmlns:a="http://schemas.openxmlformats.org/drawingml/2006/main" xmlns:r="http://schemas.openxmlformats.org/officeDocument/2006/relationships" xmlns:p="http://schemas.openxmlformats.org/presentationml/2006/main">
   <p:cSld>
     <p:spTree>
       <p:nvGrpSpPr>
@@ -4704,7 +4816,9 @@
       <p:sp>
         <p:nvSpPr>
           <p:cNvPr id="171" name="Slide Number"/>
-          <p:cNvSpPr txBox="1"/>
+          <p:cNvSpPr txBox="1">
+            <a:spLocks noGrp="1"/>
+          </p:cNvSpPr>
           <p:nvPr>
             <p:ph type="sldNum" sz="quarter" idx="2"/>
           </p:nvPr>
@@ -4719,7 +4833,7 @@
           </a:prstGeom>
           <a:extLst>
             <a:ext uri="{C572A759-6A51-4108-AA02-DFA0A04FC94B}">
-              <ma14:wrappingTextBoxFlag xmlns:ma14="http://schemas.microsoft.com/office/mac/drawingml/2011/main" val="1"/>
+              <ma14:wrappingTextBoxFlag xmlns:ma14="http://schemas.microsoft.com/office/mac/drawingml/2011/main" xmlns:a14="http://schemas.microsoft.com/office/drawing/2010/main" xmlns:m="http://schemas.openxmlformats.org/officeDocument/2006/math" xmlns="" val="1"/>
             </a:ext>
           </a:extLst>
         </p:spPr>
@@ -4727,15 +4841,19 @@
           <a:bodyPr/>
           <a:lstStyle/>
           <a:p>
-            <a:pPr/>
-            <a:fld id="{86CB4B4D-7CA3-9044-876B-883B54F8677D}" type="slidenum"/>
+            <a:fld id="{86CB4B4D-7CA3-9044-876B-883B54F8677D}" type="slidenum">
+              <a:t>2</a:t>
+            </a:fld>
+            <a:endParaRPr/>
           </a:p>
         </p:txBody>
       </p:sp>
       <p:sp>
         <p:nvSpPr>
           <p:cNvPr id="172" name="Semester 1 Assessment Schedule"/>
-          <p:cNvSpPr txBox="1"/>
+          <p:cNvSpPr txBox="1">
+            <a:spLocks noGrp="1"/>
+          </p:cNvSpPr>
           <p:nvPr>
             <p:ph type="title"/>
           </p:nvPr>
@@ -4753,7 +4871,6 @@
           <a:bodyPr/>
           <a:lstStyle/>
           <a:p>
-            <a:pPr/>
             <a:r>
               <a:t>Semester 1 Assessment Schedule	</a:t>
             </a:r>
@@ -4796,36 +4913,38 @@
                 <a:sym typeface="Helvetica Neue Medium"/>
               </a:defRPr>
             </a:pPr>
+            <a:endParaRPr/>
           </a:p>
         </p:txBody>
       </p:sp>
       <p:pic>
         <p:nvPicPr>
-          <p:cNvPr id="174" name="pasted-movie.png" descr="pasted-movie.png"/>
+          <p:cNvPr id="3" name="Picture 2">
+            <a:extLst>
+              <a:ext uri="{FF2B5EF4-FFF2-40B4-BE49-F238E27FC236}">
+                <a16:creationId xmlns:a16="http://schemas.microsoft.com/office/drawing/2014/main" id="{B619360C-BE57-AFC9-78DB-5E5627D6BBFE}"/>
+              </a:ext>
+            </a:extLst>
+          </p:cNvPr>
           <p:cNvPicPr>
             <a:picLocks noChangeAspect="1"/>
           </p:cNvPicPr>
           <p:nvPr/>
         </p:nvPicPr>
         <p:blipFill>
-          <a:blip r:embed="rId2">
-            <a:extLst/>
-          </a:blip>
+          <a:blip r:embed="rId2"/>
           <a:stretch>
             <a:fillRect/>
           </a:stretch>
         </p:blipFill>
         <p:spPr>
           <a:xfrm>
-            <a:off x="594570" y="3111915"/>
-            <a:ext cx="22550838" cy="7492170"/>
+            <a:off x="57665" y="2863585"/>
+            <a:ext cx="23627647" cy="7988829"/>
           </a:xfrm>
           <a:prstGeom prst="rect">
             <a:avLst/>
           </a:prstGeom>
-          <a:ln w="3175">
-            <a:miter lim="400000"/>
-          </a:ln>
         </p:spPr>
       </p:pic>
     </p:spTree>
@@ -4833,12 +4952,12 @@
   <p:clrMapOvr>
     <a:masterClrMapping/>
   </p:clrMapOvr>
-  <p:transition xmlns:p14="http://schemas.microsoft.com/office/powerpoint/2010/main" spd="med" advClick="1"/>
+  <p:transition spd="med"/>
 </p:sld>
 </file>
 
 <file path=ppt/slides/slide3.xml><?xml version="1.0" encoding="utf-8"?>
-<p:sld xmlns:a="http://schemas.openxmlformats.org/drawingml/2006/main" xmlns:r="http://schemas.openxmlformats.org/officeDocument/2006/relationships" xmlns:p="http://schemas.openxmlformats.org/presentationml/2006/main" xmlns:m="http://schemas.openxmlformats.org/officeDocument/2006/math" xmlns:a14="http://schemas.microsoft.com/office/drawing/2010/main" showMasterSp="1" showMasterPhAnim="1">
+<p:sld xmlns:a="http://schemas.openxmlformats.org/drawingml/2006/main" xmlns:r="http://schemas.openxmlformats.org/officeDocument/2006/relationships" xmlns:p="http://schemas.openxmlformats.org/presentationml/2006/main">
   <p:cSld>
     <p:spTree>
       <p:nvGrpSpPr>
@@ -4857,7 +4976,9 @@
       <p:sp>
         <p:nvSpPr>
           <p:cNvPr id="176" name="Weekly Webinar Schedule"/>
-          <p:cNvSpPr txBox="1"/>
+          <p:cNvSpPr txBox="1">
+            <a:spLocks noGrp="1"/>
+          </p:cNvSpPr>
           <p:nvPr>
             <p:ph type="title"/>
           </p:nvPr>
@@ -4875,7 +4996,6 @@
           <a:bodyPr/>
           <a:lstStyle/>
           <a:p>
-            <a:pPr/>
             <a:r>
               <a:t>Weekly Webinar Schedule</a:t>
             </a:r>
@@ -4885,7 +5005,9 @@
       <p:sp>
         <p:nvSpPr>
           <p:cNvPr id="177" name="Slide Number"/>
-          <p:cNvSpPr txBox="1"/>
+          <p:cNvSpPr txBox="1">
+            <a:spLocks noGrp="1"/>
+          </p:cNvSpPr>
           <p:nvPr>
             <p:ph type="sldNum" sz="quarter" idx="2"/>
           </p:nvPr>
@@ -4900,7 +5022,7 @@
           </a:prstGeom>
           <a:extLst>
             <a:ext uri="{C572A759-6A51-4108-AA02-DFA0A04FC94B}">
-              <ma14:wrappingTextBoxFlag xmlns:ma14="http://schemas.microsoft.com/office/mac/drawingml/2011/main" val="1"/>
+              <ma14:wrappingTextBoxFlag xmlns:ma14="http://schemas.microsoft.com/office/mac/drawingml/2011/main" xmlns:a14="http://schemas.microsoft.com/office/drawing/2010/main" xmlns:m="http://schemas.openxmlformats.org/officeDocument/2006/math" xmlns="" val="1"/>
             </a:ext>
           </a:extLst>
         </p:spPr>
@@ -4908,8 +5030,10 @@
           <a:bodyPr/>
           <a:lstStyle/>
           <a:p>
-            <a:pPr/>
-            <a:fld id="{86CB4B4D-7CA3-9044-876B-883B54F8677D}" type="slidenum"/>
+            <a:fld id="{86CB4B4D-7CA3-9044-876B-883B54F8677D}" type="slidenum">
+              <a:t>3</a:t>
+            </a:fld>
+            <a:endParaRPr/>
           </a:p>
         </p:txBody>
       </p:sp>
@@ -4949,6 +5073,7 @@
                 <a:sym typeface="Helvetica Neue Light"/>
               </a:defRPr>
             </a:pPr>
+            <a:endParaRPr/>
           </a:p>
         </p:txBody>
       </p:sp>
@@ -4961,9 +5086,7 @@
           <p:nvPr/>
         </p:nvPicPr>
         <p:blipFill>
-          <a:blip r:embed="rId2">
-            <a:extLst/>
-          </a:blip>
+          <a:blip r:embed="rId2"/>
           <a:stretch>
             <a:fillRect/>
           </a:stretch>
@@ -4986,12 +5109,12 @@
   <p:clrMapOvr>
     <a:masterClrMapping/>
   </p:clrMapOvr>
-  <p:transition xmlns:p14="http://schemas.microsoft.com/office/powerpoint/2010/main" spd="med" advClick="1"/>
+  <p:transition spd="med"/>
 </p:sld>
 </file>
 
 <file path=ppt/theme/theme1.xml><?xml version="1.0" encoding="utf-8"?>
-<a:theme xmlns:a="http://schemas.openxmlformats.org/drawingml/2006/main" xmlns:r="http://schemas.openxmlformats.org/officeDocument/2006/relationships" name="21_BasicWhite">
+<a:theme xmlns:a="http://schemas.openxmlformats.org/drawingml/2006/main" name="21_BasicWhite">
   <a:themeElements>
     <a:clrScheme name="21_BasicWhite">
       <a:dk1>
@@ -5190,7 +5313,7 @@
         <a:effectLst/>
         <a:sp3d/>
       </a:spPr>
-      <a:bodyPr rot="0" spcFirstLastPara="1" vertOverflow="overflow" horzOverflow="overflow" vert="horz" wrap="square" lIns="16073" tIns="16073" rIns="16073" bIns="16073" numCol="1" spcCol="38100" rtlCol="0" anchor="ctr" upright="0">
+      <a:bodyPr rot="0" spcFirstLastPara="1" vertOverflow="overflow" horzOverflow="overflow" vert="horz" wrap="square" lIns="16073" tIns="16073" rIns="16073" bIns="16073" numCol="1" spcCol="38100" rtlCol="0" anchor="ctr">
         <a:spAutoFit/>
       </a:bodyPr>
       <a:lstStyle>
@@ -5209,7 +5332,7 @@
           <a:buFontTx/>
           <a:buNone/>
           <a:tabLst/>
-          <a:defRPr b="0" baseline="0" cap="none" i="0" spc="0" strike="noStrike" sz="3000" u="none" kumimoji="0" normalizeH="0">
+          <a:defRPr kumimoji="0" sz="3000" b="0" i="0" u="none" strike="noStrike" cap="none" spc="0" normalizeH="0" baseline="0">
             <a:ln>
               <a:noFill/>
             </a:ln>
@@ -5239,7 +5362,7 @@
           <a:buFontTx/>
           <a:buNone/>
           <a:tabLst/>
-          <a:defRPr b="0" baseline="0" cap="none" i="0" spc="0" strike="noStrike" sz="1800" u="none" kumimoji="0" normalizeH="0">
+          <a:defRPr kumimoji="0" sz="1800" b="0" i="0" u="none" strike="noStrike" cap="none" spc="0" normalizeH="0" baseline="0">
             <a:ln>
               <a:noFill/>
             </a:ln>
@@ -5265,7 +5388,7 @@
           <a:buFontTx/>
           <a:buNone/>
           <a:tabLst/>
-          <a:defRPr b="0" baseline="0" cap="none" i="0" spc="0" strike="noStrike" sz="1800" u="none" kumimoji="0" normalizeH="0">
+          <a:defRPr kumimoji="0" sz="1800" b="0" i="0" u="none" strike="noStrike" cap="none" spc="0" normalizeH="0" baseline="0">
             <a:ln>
               <a:noFill/>
             </a:ln>
@@ -5291,7 +5414,7 @@
           <a:buFontTx/>
           <a:buNone/>
           <a:tabLst/>
-          <a:defRPr b="0" baseline="0" cap="none" i="0" spc="0" strike="noStrike" sz="1800" u="none" kumimoji="0" normalizeH="0">
+          <a:defRPr kumimoji="0" sz="1800" b="0" i="0" u="none" strike="noStrike" cap="none" spc="0" normalizeH="0" baseline="0">
             <a:ln>
               <a:noFill/>
             </a:ln>
@@ -5317,7 +5440,7 @@
           <a:buFontTx/>
           <a:buNone/>
           <a:tabLst/>
-          <a:defRPr b="0" baseline="0" cap="none" i="0" spc="0" strike="noStrike" sz="1800" u="none" kumimoji="0" normalizeH="0">
+          <a:defRPr kumimoji="0" sz="1800" b="0" i="0" u="none" strike="noStrike" cap="none" spc="0" normalizeH="0" baseline="0">
             <a:ln>
               <a:noFill/>
             </a:ln>
@@ -5343,7 +5466,7 @@
           <a:buFontTx/>
           <a:buNone/>
           <a:tabLst/>
-          <a:defRPr b="0" baseline="0" cap="none" i="0" spc="0" strike="noStrike" sz="1800" u="none" kumimoji="0" normalizeH="0">
+          <a:defRPr kumimoji="0" sz="1800" b="0" i="0" u="none" strike="noStrike" cap="none" spc="0" normalizeH="0" baseline="0">
             <a:ln>
               <a:noFill/>
             </a:ln>
@@ -5369,7 +5492,7 @@
           <a:buFontTx/>
           <a:buNone/>
           <a:tabLst/>
-          <a:defRPr b="0" baseline="0" cap="none" i="0" spc="0" strike="noStrike" sz="1800" u="none" kumimoji="0" normalizeH="0">
+          <a:defRPr kumimoji="0" sz="1800" b="0" i="0" u="none" strike="noStrike" cap="none" spc="0" normalizeH="0" baseline="0">
             <a:ln>
               <a:noFill/>
             </a:ln>
@@ -5395,7 +5518,7 @@
           <a:buFontTx/>
           <a:buNone/>
           <a:tabLst/>
-          <a:defRPr b="0" baseline="0" cap="none" i="0" spc="0" strike="noStrike" sz="1800" u="none" kumimoji="0" normalizeH="0">
+          <a:defRPr kumimoji="0" sz="1800" b="0" i="0" u="none" strike="noStrike" cap="none" spc="0" normalizeH="0" baseline="0">
             <a:ln>
               <a:noFill/>
             </a:ln>
@@ -5421,7 +5544,7 @@
           <a:buFontTx/>
           <a:buNone/>
           <a:tabLst/>
-          <a:defRPr b="0" baseline="0" cap="none" i="0" spc="0" strike="noStrike" sz="1800" u="none" kumimoji="0" normalizeH="0">
+          <a:defRPr kumimoji="0" sz="1800" b="0" i="0" u="none" strike="noStrike" cap="none" spc="0" normalizeH="0" baseline="0">
             <a:ln>
               <a:noFill/>
             </a:ln>
@@ -5447,7 +5570,7 @@
           <a:buFontTx/>
           <a:buNone/>
           <a:tabLst/>
-          <a:defRPr b="0" baseline="0" cap="none" i="0" spc="0" strike="noStrike" sz="1800" u="none" kumimoji="0" normalizeH="0">
+          <a:defRPr kumimoji="0" sz="1800" b="0" i="0" u="none" strike="noStrike" cap="none" spc="0" normalizeH="0" baseline="0">
             <a:ln>
               <a:noFill/>
             </a:ln>
@@ -5460,9 +5583,15 @@
         </a:lvl9pPr>
       </a:lstStyle>
       <a:style>
-        <a:lnRef idx="0"/>
-        <a:fillRef idx="0"/>
-        <a:effectRef idx="0"/>
+        <a:lnRef idx="0">
+          <a:scrgbClr r="0" g="0" b="0"/>
+        </a:lnRef>
+        <a:fillRef idx="0">
+          <a:scrgbClr r="0" g="0" b="0"/>
+        </a:fillRef>
+        <a:effectRef idx="0">
+          <a:scrgbClr r="0" g="0" b="0"/>
+        </a:effectRef>
         <a:fontRef idx="none"/>
       </a:style>
     </a:spDef>
@@ -5479,7 +5608,7 @@
         <a:effectLst/>
         <a:sp3d/>
       </a:spPr>
-      <a:bodyPr rot="0" spcFirstLastPara="1" vertOverflow="overflow" horzOverflow="overflow" vert="horz" wrap="square" lIns="91439" tIns="45719" rIns="91439" bIns="45719" numCol="1" spcCol="38100" rtlCol="0" anchor="t" upright="0">
+      <a:bodyPr rot="0" spcFirstLastPara="1" vertOverflow="overflow" horzOverflow="overflow" vert="horz" wrap="square" lIns="91439" tIns="45719" rIns="91439" bIns="45719" numCol="1" spcCol="38100" rtlCol="0" anchor="t">
         <a:noAutofit/>
       </a:bodyPr>
       <a:lstStyle>
@@ -5498,7 +5627,7 @@
           <a:buFontTx/>
           <a:buNone/>
           <a:tabLst/>
-          <a:defRPr b="0" baseline="0" cap="none" i="0" spc="0" strike="noStrike" sz="1800" u="none" kumimoji="0" normalizeH="0">
+          <a:defRPr kumimoji="0" sz="1800" b="0" i="0" u="none" strike="noStrike" cap="none" spc="0" normalizeH="0" baseline="0">
             <a:ln>
               <a:noFill/>
             </a:ln>
@@ -5524,7 +5653,7 @@
           <a:buFontTx/>
           <a:buNone/>
           <a:tabLst/>
-          <a:defRPr b="0" baseline="0" cap="none" i="0" spc="0" strike="noStrike" sz="1800" u="none" kumimoji="0" normalizeH="0">
+          <a:defRPr kumimoji="0" sz="1800" b="0" i="0" u="none" strike="noStrike" cap="none" spc="0" normalizeH="0" baseline="0">
             <a:ln>
               <a:noFill/>
             </a:ln>
@@ -5550,7 +5679,7 @@
           <a:buFontTx/>
           <a:buNone/>
           <a:tabLst/>
-          <a:defRPr b="0" baseline="0" cap="none" i="0" spc="0" strike="noStrike" sz="1800" u="none" kumimoji="0" normalizeH="0">
+          <a:defRPr kumimoji="0" sz="1800" b="0" i="0" u="none" strike="noStrike" cap="none" spc="0" normalizeH="0" baseline="0">
             <a:ln>
               <a:noFill/>
             </a:ln>
@@ -5576,7 +5705,7 @@
           <a:buFontTx/>
           <a:buNone/>
           <a:tabLst/>
-          <a:defRPr b="0" baseline="0" cap="none" i="0" spc="0" strike="noStrike" sz="1800" u="none" kumimoji="0" normalizeH="0">
+          <a:defRPr kumimoji="0" sz="1800" b="0" i="0" u="none" strike="noStrike" cap="none" spc="0" normalizeH="0" baseline="0">
             <a:ln>
               <a:noFill/>
             </a:ln>
@@ -5602,7 +5731,7 @@
           <a:buFontTx/>
           <a:buNone/>
           <a:tabLst/>
-          <a:defRPr b="0" baseline="0" cap="none" i="0" spc="0" strike="noStrike" sz="1800" u="none" kumimoji="0" normalizeH="0">
+          <a:defRPr kumimoji="0" sz="1800" b="0" i="0" u="none" strike="noStrike" cap="none" spc="0" normalizeH="0" baseline="0">
             <a:ln>
               <a:noFill/>
             </a:ln>
@@ -5628,7 +5757,7 @@
           <a:buFontTx/>
           <a:buNone/>
           <a:tabLst/>
-          <a:defRPr b="0" baseline="0" cap="none" i="0" spc="0" strike="noStrike" sz="1800" u="none" kumimoji="0" normalizeH="0">
+          <a:defRPr kumimoji="0" sz="1800" b="0" i="0" u="none" strike="noStrike" cap="none" spc="0" normalizeH="0" baseline="0">
             <a:ln>
               <a:noFill/>
             </a:ln>
@@ -5654,7 +5783,7 @@
           <a:buFontTx/>
           <a:buNone/>
           <a:tabLst/>
-          <a:defRPr b="0" baseline="0" cap="none" i="0" spc="0" strike="noStrike" sz="1800" u="none" kumimoji="0" normalizeH="0">
+          <a:defRPr kumimoji="0" sz="1800" b="0" i="0" u="none" strike="noStrike" cap="none" spc="0" normalizeH="0" baseline="0">
             <a:ln>
               <a:noFill/>
             </a:ln>
@@ -5680,7 +5809,7 @@
           <a:buFontTx/>
           <a:buNone/>
           <a:tabLst/>
-          <a:defRPr b="0" baseline="0" cap="none" i="0" spc="0" strike="noStrike" sz="1800" u="none" kumimoji="0" normalizeH="0">
+          <a:defRPr kumimoji="0" sz="1800" b="0" i="0" u="none" strike="noStrike" cap="none" spc="0" normalizeH="0" baseline="0">
             <a:ln>
               <a:noFill/>
             </a:ln>
@@ -5706,7 +5835,7 @@
           <a:buFontTx/>
           <a:buNone/>
           <a:tabLst/>
-          <a:defRPr b="0" baseline="0" cap="none" i="0" spc="0" strike="noStrike" sz="1800" u="none" kumimoji="0" normalizeH="0">
+          <a:defRPr kumimoji="0" sz="1800" b="0" i="0" u="none" strike="noStrike" cap="none" spc="0" normalizeH="0" baseline="0">
             <a:ln>
               <a:noFill/>
             </a:ln>
@@ -5732,7 +5861,7 @@
           <a:buFontTx/>
           <a:buNone/>
           <a:tabLst/>
-          <a:defRPr b="0" baseline="0" cap="none" i="0" spc="0" strike="noStrike" sz="1800" u="none" kumimoji="0" normalizeH="0">
+          <a:defRPr kumimoji="0" sz="1800" b="0" i="0" u="none" strike="noStrike" cap="none" spc="0" normalizeH="0" baseline="0">
             <a:ln>
               <a:noFill/>
             </a:ln>
@@ -5745,9 +5874,15 @@
         </a:lvl9pPr>
       </a:lstStyle>
       <a:style>
-        <a:lnRef idx="0"/>
-        <a:fillRef idx="0"/>
-        <a:effectRef idx="0"/>
+        <a:lnRef idx="0">
+          <a:scrgbClr r="0" g="0" b="0"/>
+        </a:lnRef>
+        <a:fillRef idx="0">
+          <a:scrgbClr r="0" g="0" b="0"/>
+        </a:fillRef>
+        <a:effectRef idx="0">
+          <a:scrgbClr r="0" g="0" b="0"/>
+        </a:effectRef>
         <a:fontRef idx="none"/>
       </a:style>
     </a:lnDef>
@@ -5761,7 +5896,7 @@
         <a:effectLst/>
         <a:sp3d/>
       </a:spPr>
-      <a:bodyPr rot="0" spcFirstLastPara="1" vertOverflow="overflow" horzOverflow="overflow" vert="horz" wrap="square" lIns="16073" tIns="16073" rIns="16073" bIns="16073" numCol="1" spcCol="38100" rtlCol="0" anchor="ctr" upright="0">
+      <a:bodyPr rot="0" spcFirstLastPara="1" vertOverflow="overflow" horzOverflow="overflow" vert="horz" wrap="square" lIns="16073" tIns="16073" rIns="16073" bIns="16073" numCol="1" spcCol="38100" rtlCol="0" anchor="ctr">
         <a:spAutoFit/>
       </a:bodyPr>
       <a:lstStyle>
@@ -5780,7 +5915,7 @@
           <a:buFontTx/>
           <a:buNone/>
           <a:tabLst/>
-          <a:defRPr b="0" baseline="0" cap="none" i="0" spc="0" strike="noStrike" sz="2000" u="none" kumimoji="0" normalizeH="0">
+          <a:defRPr kumimoji="0" sz="2000" b="0" i="0" u="none" strike="noStrike" cap="none" spc="0" normalizeH="0" baseline="0">
             <a:ln>
               <a:noFill/>
             </a:ln>
@@ -5810,7 +5945,7 @@
           <a:buFontTx/>
           <a:buNone/>
           <a:tabLst/>
-          <a:defRPr b="0" baseline="0" cap="none" i="0" spc="0" strike="noStrike" sz="1800" u="none" kumimoji="0" normalizeH="0">
+          <a:defRPr kumimoji="0" sz="1800" b="0" i="0" u="none" strike="noStrike" cap="none" spc="0" normalizeH="0" baseline="0">
             <a:ln>
               <a:noFill/>
             </a:ln>
@@ -5836,7 +5971,7 @@
           <a:buFontTx/>
           <a:buNone/>
           <a:tabLst/>
-          <a:defRPr b="0" baseline="0" cap="none" i="0" spc="0" strike="noStrike" sz="1800" u="none" kumimoji="0" normalizeH="0">
+          <a:defRPr kumimoji="0" sz="1800" b="0" i="0" u="none" strike="noStrike" cap="none" spc="0" normalizeH="0" baseline="0">
             <a:ln>
               <a:noFill/>
             </a:ln>
@@ -5862,7 +5997,7 @@
           <a:buFontTx/>
           <a:buNone/>
           <a:tabLst/>
-          <a:defRPr b="0" baseline="0" cap="none" i="0" spc="0" strike="noStrike" sz="1800" u="none" kumimoji="0" normalizeH="0">
+          <a:defRPr kumimoji="0" sz="1800" b="0" i="0" u="none" strike="noStrike" cap="none" spc="0" normalizeH="0" baseline="0">
             <a:ln>
               <a:noFill/>
             </a:ln>
@@ -5888,7 +6023,7 @@
           <a:buFontTx/>
           <a:buNone/>
           <a:tabLst/>
-          <a:defRPr b="0" baseline="0" cap="none" i="0" spc="0" strike="noStrike" sz="1800" u="none" kumimoji="0" normalizeH="0">
+          <a:defRPr kumimoji="0" sz="1800" b="0" i="0" u="none" strike="noStrike" cap="none" spc="0" normalizeH="0" baseline="0">
             <a:ln>
               <a:noFill/>
             </a:ln>
@@ -5914,7 +6049,7 @@
           <a:buFontTx/>
           <a:buNone/>
           <a:tabLst/>
-          <a:defRPr b="0" baseline="0" cap="none" i="0" spc="0" strike="noStrike" sz="1800" u="none" kumimoji="0" normalizeH="0">
+          <a:defRPr kumimoji="0" sz="1800" b="0" i="0" u="none" strike="noStrike" cap="none" spc="0" normalizeH="0" baseline="0">
             <a:ln>
               <a:noFill/>
             </a:ln>
@@ -5940,7 +6075,7 @@
           <a:buFontTx/>
           <a:buNone/>
           <a:tabLst/>
-          <a:defRPr b="0" baseline="0" cap="none" i="0" spc="0" strike="noStrike" sz="1800" u="none" kumimoji="0" normalizeH="0">
+          <a:defRPr kumimoji="0" sz="1800" b="0" i="0" u="none" strike="noStrike" cap="none" spc="0" normalizeH="0" baseline="0">
             <a:ln>
               <a:noFill/>
             </a:ln>
@@ -5966,7 +6101,7 @@
           <a:buFontTx/>
           <a:buNone/>
           <a:tabLst/>
-          <a:defRPr b="0" baseline="0" cap="none" i="0" spc="0" strike="noStrike" sz="1800" u="none" kumimoji="0" normalizeH="0">
+          <a:defRPr kumimoji="0" sz="1800" b="0" i="0" u="none" strike="noStrike" cap="none" spc="0" normalizeH="0" baseline="0">
             <a:ln>
               <a:noFill/>
             </a:ln>
@@ -5992,7 +6127,7 @@
           <a:buFontTx/>
           <a:buNone/>
           <a:tabLst/>
-          <a:defRPr b="0" baseline="0" cap="none" i="0" spc="0" strike="noStrike" sz="1800" u="none" kumimoji="0" normalizeH="0">
+          <a:defRPr kumimoji="0" sz="1800" b="0" i="0" u="none" strike="noStrike" cap="none" spc="0" normalizeH="0" baseline="0">
             <a:ln>
               <a:noFill/>
             </a:ln>
@@ -6018,7 +6153,7 @@
           <a:buFontTx/>
           <a:buNone/>
           <a:tabLst/>
-          <a:defRPr b="0" baseline="0" cap="none" i="0" spc="0" strike="noStrike" sz="1800" u="none" kumimoji="0" normalizeH="0">
+          <a:defRPr kumimoji="0" sz="1800" b="0" i="0" u="none" strike="noStrike" cap="none" spc="0" normalizeH="0" baseline="0">
             <a:ln>
               <a:noFill/>
             </a:ln>
@@ -6031,18 +6166,25 @@
         </a:lvl9pPr>
       </a:lstStyle>
       <a:style>
-        <a:lnRef idx="0"/>
-        <a:fillRef idx="0"/>
-        <a:effectRef idx="0"/>
+        <a:lnRef idx="0">
+          <a:scrgbClr r="0" g="0" b="0"/>
+        </a:lnRef>
+        <a:fillRef idx="0">
+          <a:scrgbClr r="0" g="0" b="0"/>
+        </a:fillRef>
+        <a:effectRef idx="0">
+          <a:scrgbClr r="0" g="0" b="0"/>
+        </a:effectRef>
         <a:fontRef idx="none"/>
       </a:style>
     </a:txDef>
   </a:objectDefaults>
+  <a:extraClrSchemeLst/>
 </a:theme>
 </file>
 
 <file path=ppt/theme/theme2.xml><?xml version="1.0" encoding="utf-8"?>
-<a:theme xmlns:a="http://schemas.openxmlformats.org/drawingml/2006/main" xmlns:r="http://schemas.openxmlformats.org/officeDocument/2006/relationships" name="21_BasicWhite">
+<a:theme xmlns:a="http://schemas.openxmlformats.org/drawingml/2006/main" name="21_BasicWhite">
   <a:themeElements>
     <a:clrScheme name="21_BasicWhite">
       <a:dk1>
@@ -6241,7 +6383,7 @@
         <a:effectLst/>
         <a:sp3d/>
       </a:spPr>
-      <a:bodyPr rot="0" spcFirstLastPara="1" vertOverflow="overflow" horzOverflow="overflow" vert="horz" wrap="square" lIns="16073" tIns="16073" rIns="16073" bIns="16073" numCol="1" spcCol="38100" rtlCol="0" anchor="ctr" upright="0">
+      <a:bodyPr rot="0" spcFirstLastPara="1" vertOverflow="overflow" horzOverflow="overflow" vert="horz" wrap="square" lIns="16073" tIns="16073" rIns="16073" bIns="16073" numCol="1" spcCol="38100" rtlCol="0" anchor="ctr">
         <a:spAutoFit/>
       </a:bodyPr>
       <a:lstStyle>
@@ -6260,7 +6402,7 @@
           <a:buFontTx/>
           <a:buNone/>
           <a:tabLst/>
-          <a:defRPr b="0" baseline="0" cap="none" i="0" spc="0" strike="noStrike" sz="3000" u="none" kumimoji="0" normalizeH="0">
+          <a:defRPr kumimoji="0" sz="3000" b="0" i="0" u="none" strike="noStrike" cap="none" spc="0" normalizeH="0" baseline="0">
             <a:ln>
               <a:noFill/>
             </a:ln>
@@ -6290,7 +6432,7 @@
           <a:buFontTx/>
           <a:buNone/>
           <a:tabLst/>
-          <a:defRPr b="0" baseline="0" cap="none" i="0" spc="0" strike="noStrike" sz="1800" u="none" kumimoji="0" normalizeH="0">
+          <a:defRPr kumimoji="0" sz="1800" b="0" i="0" u="none" strike="noStrike" cap="none" spc="0" normalizeH="0" baseline="0">
             <a:ln>
               <a:noFill/>
             </a:ln>
@@ -6316,7 +6458,7 @@
           <a:buFontTx/>
           <a:buNone/>
           <a:tabLst/>
-          <a:defRPr b="0" baseline="0" cap="none" i="0" spc="0" strike="noStrike" sz="1800" u="none" kumimoji="0" normalizeH="0">
+          <a:defRPr kumimoji="0" sz="1800" b="0" i="0" u="none" strike="noStrike" cap="none" spc="0" normalizeH="0" baseline="0">
             <a:ln>
               <a:noFill/>
             </a:ln>
@@ -6342,7 +6484,7 @@
           <a:buFontTx/>
           <a:buNone/>
           <a:tabLst/>
-          <a:defRPr b="0" baseline="0" cap="none" i="0" spc="0" strike="noStrike" sz="1800" u="none" kumimoji="0" normalizeH="0">
+          <a:defRPr kumimoji="0" sz="1800" b="0" i="0" u="none" strike="noStrike" cap="none" spc="0" normalizeH="0" baseline="0">
             <a:ln>
               <a:noFill/>
             </a:ln>
@@ -6368,7 +6510,7 @@
           <a:buFontTx/>
           <a:buNone/>
           <a:tabLst/>
-          <a:defRPr b="0" baseline="0" cap="none" i="0" spc="0" strike="noStrike" sz="1800" u="none" kumimoji="0" normalizeH="0">
+          <a:defRPr kumimoji="0" sz="1800" b="0" i="0" u="none" strike="noStrike" cap="none" spc="0" normalizeH="0" baseline="0">
             <a:ln>
               <a:noFill/>
             </a:ln>
@@ -6394,7 +6536,7 @@
           <a:buFontTx/>
           <a:buNone/>
           <a:tabLst/>
-          <a:defRPr b="0" baseline="0" cap="none" i="0" spc="0" strike="noStrike" sz="1800" u="none" kumimoji="0" normalizeH="0">
+          <a:defRPr kumimoji="0" sz="1800" b="0" i="0" u="none" strike="noStrike" cap="none" spc="0" normalizeH="0" baseline="0">
             <a:ln>
               <a:noFill/>
             </a:ln>
@@ -6420,7 +6562,7 @@
           <a:buFontTx/>
           <a:buNone/>
           <a:tabLst/>
-          <a:defRPr b="0" baseline="0" cap="none" i="0" spc="0" strike="noStrike" sz="1800" u="none" kumimoji="0" normalizeH="0">
+          <a:defRPr kumimoji="0" sz="1800" b="0" i="0" u="none" strike="noStrike" cap="none" spc="0" normalizeH="0" baseline="0">
             <a:ln>
               <a:noFill/>
             </a:ln>
@@ -6446,7 +6588,7 @@
           <a:buFontTx/>
           <a:buNone/>
           <a:tabLst/>
-          <a:defRPr b="0" baseline="0" cap="none" i="0" spc="0" strike="noStrike" sz="1800" u="none" kumimoji="0" normalizeH="0">
+          <a:defRPr kumimoji="0" sz="1800" b="0" i="0" u="none" strike="noStrike" cap="none" spc="0" normalizeH="0" baseline="0">
             <a:ln>
               <a:noFill/>
             </a:ln>
@@ -6472,7 +6614,7 @@
           <a:buFontTx/>
           <a:buNone/>
           <a:tabLst/>
-          <a:defRPr b="0" baseline="0" cap="none" i="0" spc="0" strike="noStrike" sz="1800" u="none" kumimoji="0" normalizeH="0">
+          <a:defRPr kumimoji="0" sz="1800" b="0" i="0" u="none" strike="noStrike" cap="none" spc="0" normalizeH="0" baseline="0">
             <a:ln>
               <a:noFill/>
             </a:ln>
@@ -6498,7 +6640,7 @@
           <a:buFontTx/>
           <a:buNone/>
           <a:tabLst/>
-          <a:defRPr b="0" baseline="0" cap="none" i="0" spc="0" strike="noStrike" sz="1800" u="none" kumimoji="0" normalizeH="0">
+          <a:defRPr kumimoji="0" sz="1800" b="0" i="0" u="none" strike="noStrike" cap="none" spc="0" normalizeH="0" baseline="0">
             <a:ln>
               <a:noFill/>
             </a:ln>
@@ -6511,9 +6653,15 @@
         </a:lvl9pPr>
       </a:lstStyle>
       <a:style>
-        <a:lnRef idx="0"/>
-        <a:fillRef idx="0"/>
-        <a:effectRef idx="0"/>
+        <a:lnRef idx="0">
+          <a:scrgbClr r="0" g="0" b="0"/>
+        </a:lnRef>
+        <a:fillRef idx="0">
+          <a:scrgbClr r="0" g="0" b="0"/>
+        </a:fillRef>
+        <a:effectRef idx="0">
+          <a:scrgbClr r="0" g="0" b="0"/>
+        </a:effectRef>
         <a:fontRef idx="none"/>
       </a:style>
     </a:spDef>
@@ -6530,7 +6678,7 @@
         <a:effectLst/>
         <a:sp3d/>
       </a:spPr>
-      <a:bodyPr rot="0" spcFirstLastPara="1" vertOverflow="overflow" horzOverflow="overflow" vert="horz" wrap="square" lIns="91439" tIns="45719" rIns="91439" bIns="45719" numCol="1" spcCol="38100" rtlCol="0" anchor="t" upright="0">
+      <a:bodyPr rot="0" spcFirstLastPara="1" vertOverflow="overflow" horzOverflow="overflow" vert="horz" wrap="square" lIns="91439" tIns="45719" rIns="91439" bIns="45719" numCol="1" spcCol="38100" rtlCol="0" anchor="t">
         <a:noAutofit/>
       </a:bodyPr>
       <a:lstStyle>
@@ -6549,7 +6697,7 @@
           <a:buFontTx/>
           <a:buNone/>
           <a:tabLst/>
-          <a:defRPr b="0" baseline="0" cap="none" i="0" spc="0" strike="noStrike" sz="1800" u="none" kumimoji="0" normalizeH="0">
+          <a:defRPr kumimoji="0" sz="1800" b="0" i="0" u="none" strike="noStrike" cap="none" spc="0" normalizeH="0" baseline="0">
             <a:ln>
               <a:noFill/>
             </a:ln>
@@ -6575,7 +6723,7 @@
           <a:buFontTx/>
           <a:buNone/>
           <a:tabLst/>
-          <a:defRPr b="0" baseline="0" cap="none" i="0" spc="0" strike="noStrike" sz="1800" u="none" kumimoji="0" normalizeH="0">
+          <a:defRPr kumimoji="0" sz="1800" b="0" i="0" u="none" strike="noStrike" cap="none" spc="0" normalizeH="0" baseline="0">
             <a:ln>
               <a:noFill/>
             </a:ln>
@@ -6601,7 +6749,7 @@
           <a:buFontTx/>
           <a:buNone/>
           <a:tabLst/>
-          <a:defRPr b="0" baseline="0" cap="none" i="0" spc="0" strike="noStrike" sz="1800" u="none" kumimoji="0" normalizeH="0">
+          <a:defRPr kumimoji="0" sz="1800" b="0" i="0" u="none" strike="noStrike" cap="none" spc="0" normalizeH="0" baseline="0">
             <a:ln>
               <a:noFill/>
             </a:ln>
@@ -6627,7 +6775,7 @@
           <a:buFontTx/>
           <a:buNone/>
           <a:tabLst/>
-          <a:defRPr b="0" baseline="0" cap="none" i="0" spc="0" strike="noStrike" sz="1800" u="none" kumimoji="0" normalizeH="0">
+          <a:defRPr kumimoji="0" sz="1800" b="0" i="0" u="none" strike="noStrike" cap="none" spc="0" normalizeH="0" baseline="0">
             <a:ln>
               <a:noFill/>
             </a:ln>
@@ -6653,7 +6801,7 @@
           <a:buFontTx/>
           <a:buNone/>
           <a:tabLst/>
-          <a:defRPr b="0" baseline="0" cap="none" i="0" spc="0" strike="noStrike" sz="1800" u="none" kumimoji="0" normalizeH="0">
+          <a:defRPr kumimoji="0" sz="1800" b="0" i="0" u="none" strike="noStrike" cap="none" spc="0" normalizeH="0" baseline="0">
             <a:ln>
               <a:noFill/>
             </a:ln>
@@ -6679,7 +6827,7 @@
           <a:buFontTx/>
           <a:buNone/>
           <a:tabLst/>
-          <a:defRPr b="0" baseline="0" cap="none" i="0" spc="0" strike="noStrike" sz="1800" u="none" kumimoji="0" normalizeH="0">
+          <a:defRPr kumimoji="0" sz="1800" b="0" i="0" u="none" strike="noStrike" cap="none" spc="0" normalizeH="0" baseline="0">
             <a:ln>
               <a:noFill/>
             </a:ln>
@@ -6705,7 +6853,7 @@
           <a:buFontTx/>
           <a:buNone/>
           <a:tabLst/>
-          <a:defRPr b="0" baseline="0" cap="none" i="0" spc="0" strike="noStrike" sz="1800" u="none" kumimoji="0" normalizeH="0">
+          <a:defRPr kumimoji="0" sz="1800" b="0" i="0" u="none" strike="noStrike" cap="none" spc="0" normalizeH="0" baseline="0">
             <a:ln>
               <a:noFill/>
             </a:ln>
@@ -6731,7 +6879,7 @@
           <a:buFontTx/>
           <a:buNone/>
           <a:tabLst/>
-          <a:defRPr b="0" baseline="0" cap="none" i="0" spc="0" strike="noStrike" sz="1800" u="none" kumimoji="0" normalizeH="0">
+          <a:defRPr kumimoji="0" sz="1800" b="0" i="0" u="none" strike="noStrike" cap="none" spc="0" normalizeH="0" baseline="0">
             <a:ln>
               <a:noFill/>
             </a:ln>
@@ -6757,7 +6905,7 @@
           <a:buFontTx/>
           <a:buNone/>
           <a:tabLst/>
-          <a:defRPr b="0" baseline="0" cap="none" i="0" spc="0" strike="noStrike" sz="1800" u="none" kumimoji="0" normalizeH="0">
+          <a:defRPr kumimoji="0" sz="1800" b="0" i="0" u="none" strike="noStrike" cap="none" spc="0" normalizeH="0" baseline="0">
             <a:ln>
               <a:noFill/>
             </a:ln>
@@ -6783,7 +6931,7 @@
           <a:buFontTx/>
           <a:buNone/>
           <a:tabLst/>
-          <a:defRPr b="0" baseline="0" cap="none" i="0" spc="0" strike="noStrike" sz="1800" u="none" kumimoji="0" normalizeH="0">
+          <a:defRPr kumimoji="0" sz="1800" b="0" i="0" u="none" strike="noStrike" cap="none" spc="0" normalizeH="0" baseline="0">
             <a:ln>
               <a:noFill/>
             </a:ln>
@@ -6796,9 +6944,15 @@
         </a:lvl9pPr>
       </a:lstStyle>
       <a:style>
-        <a:lnRef idx="0"/>
-        <a:fillRef idx="0"/>
-        <a:effectRef idx="0"/>
+        <a:lnRef idx="0">
+          <a:scrgbClr r="0" g="0" b="0"/>
+        </a:lnRef>
+        <a:fillRef idx="0">
+          <a:scrgbClr r="0" g="0" b="0"/>
+        </a:fillRef>
+        <a:effectRef idx="0">
+          <a:scrgbClr r="0" g="0" b="0"/>
+        </a:effectRef>
         <a:fontRef idx="none"/>
       </a:style>
     </a:lnDef>
@@ -6812,7 +6966,7 @@
         <a:effectLst/>
         <a:sp3d/>
       </a:spPr>
-      <a:bodyPr rot="0" spcFirstLastPara="1" vertOverflow="overflow" horzOverflow="overflow" vert="horz" wrap="square" lIns="16073" tIns="16073" rIns="16073" bIns="16073" numCol="1" spcCol="38100" rtlCol="0" anchor="ctr" upright="0">
+      <a:bodyPr rot="0" spcFirstLastPara="1" vertOverflow="overflow" horzOverflow="overflow" vert="horz" wrap="square" lIns="16073" tIns="16073" rIns="16073" bIns="16073" numCol="1" spcCol="38100" rtlCol="0" anchor="ctr">
         <a:spAutoFit/>
       </a:bodyPr>
       <a:lstStyle>
@@ -6831,7 +6985,7 @@
           <a:buFontTx/>
           <a:buNone/>
           <a:tabLst/>
-          <a:defRPr b="0" baseline="0" cap="none" i="0" spc="0" strike="noStrike" sz="2000" u="none" kumimoji="0" normalizeH="0">
+          <a:defRPr kumimoji="0" sz="2000" b="0" i="0" u="none" strike="noStrike" cap="none" spc="0" normalizeH="0" baseline="0">
             <a:ln>
               <a:noFill/>
             </a:ln>
@@ -6861,7 +7015,7 @@
           <a:buFontTx/>
           <a:buNone/>
           <a:tabLst/>
-          <a:defRPr b="0" baseline="0" cap="none" i="0" spc="0" strike="noStrike" sz="1800" u="none" kumimoji="0" normalizeH="0">
+          <a:defRPr kumimoji="0" sz="1800" b="0" i="0" u="none" strike="noStrike" cap="none" spc="0" normalizeH="0" baseline="0">
             <a:ln>
               <a:noFill/>
             </a:ln>
@@ -6887,7 +7041,7 @@
           <a:buFontTx/>
           <a:buNone/>
           <a:tabLst/>
-          <a:defRPr b="0" baseline="0" cap="none" i="0" spc="0" strike="noStrike" sz="1800" u="none" kumimoji="0" normalizeH="0">
+          <a:defRPr kumimoji="0" sz="1800" b="0" i="0" u="none" strike="noStrike" cap="none" spc="0" normalizeH="0" baseline="0">
             <a:ln>
               <a:noFill/>
             </a:ln>
@@ -6913,7 +7067,7 @@
           <a:buFontTx/>
           <a:buNone/>
           <a:tabLst/>
-          <a:defRPr b="0" baseline="0" cap="none" i="0" spc="0" strike="noStrike" sz="1800" u="none" kumimoji="0" normalizeH="0">
+          <a:defRPr kumimoji="0" sz="1800" b="0" i="0" u="none" strike="noStrike" cap="none" spc="0" normalizeH="0" baseline="0">
             <a:ln>
               <a:noFill/>
             </a:ln>
@@ -6939,7 +7093,7 @@
           <a:buFontTx/>
           <a:buNone/>
           <a:tabLst/>
-          <a:defRPr b="0" baseline="0" cap="none" i="0" spc="0" strike="noStrike" sz="1800" u="none" kumimoji="0" normalizeH="0">
+          <a:defRPr kumimoji="0" sz="1800" b="0" i="0" u="none" strike="noStrike" cap="none" spc="0" normalizeH="0" baseline="0">
             <a:ln>
               <a:noFill/>
             </a:ln>
@@ -6965,7 +7119,7 @@
           <a:buFontTx/>
           <a:buNone/>
           <a:tabLst/>
-          <a:defRPr b="0" baseline="0" cap="none" i="0" spc="0" strike="noStrike" sz="1800" u="none" kumimoji="0" normalizeH="0">
+          <a:defRPr kumimoji="0" sz="1800" b="0" i="0" u="none" strike="noStrike" cap="none" spc="0" normalizeH="0" baseline="0">
             <a:ln>
               <a:noFill/>
             </a:ln>
@@ -6991,7 +7145,7 @@
           <a:buFontTx/>
           <a:buNone/>
           <a:tabLst/>
-          <a:defRPr b="0" baseline="0" cap="none" i="0" spc="0" strike="noStrike" sz="1800" u="none" kumimoji="0" normalizeH="0">
+          <a:defRPr kumimoji="0" sz="1800" b="0" i="0" u="none" strike="noStrike" cap="none" spc="0" normalizeH="0" baseline="0">
             <a:ln>
               <a:noFill/>
             </a:ln>
@@ -7017,7 +7171,7 @@
           <a:buFontTx/>
           <a:buNone/>
           <a:tabLst/>
-          <a:defRPr b="0" baseline="0" cap="none" i="0" spc="0" strike="noStrike" sz="1800" u="none" kumimoji="0" normalizeH="0">
+          <a:defRPr kumimoji="0" sz="1800" b="0" i="0" u="none" strike="noStrike" cap="none" spc="0" normalizeH="0" baseline="0">
             <a:ln>
               <a:noFill/>
             </a:ln>
@@ -7043,7 +7197,7 @@
           <a:buFontTx/>
           <a:buNone/>
           <a:tabLst/>
-          <a:defRPr b="0" baseline="0" cap="none" i="0" spc="0" strike="noStrike" sz="1800" u="none" kumimoji="0" normalizeH="0">
+          <a:defRPr kumimoji="0" sz="1800" b="0" i="0" u="none" strike="noStrike" cap="none" spc="0" normalizeH="0" baseline="0">
             <a:ln>
               <a:noFill/>
             </a:ln>
@@ -7069,7 +7223,7 @@
           <a:buFontTx/>
           <a:buNone/>
           <a:tabLst/>
-          <a:defRPr b="0" baseline="0" cap="none" i="0" spc="0" strike="noStrike" sz="1800" u="none" kumimoji="0" normalizeH="0">
+          <a:defRPr kumimoji="0" sz="1800" b="0" i="0" u="none" strike="noStrike" cap="none" spc="0" normalizeH="0" baseline="0">
             <a:ln>
               <a:noFill/>
             </a:ln>
@@ -7082,12 +7236,19 @@
         </a:lvl9pPr>
       </a:lstStyle>
       <a:style>
-        <a:lnRef idx="0"/>
-        <a:fillRef idx="0"/>
-        <a:effectRef idx="0"/>
+        <a:lnRef idx="0">
+          <a:scrgbClr r="0" g="0" b="0"/>
+        </a:lnRef>
+        <a:fillRef idx="0">
+          <a:scrgbClr r="0" g="0" b="0"/>
+        </a:fillRef>
+        <a:effectRef idx="0">
+          <a:scrgbClr r="0" g="0" b="0"/>
+        </a:effectRef>
         <a:fontRef idx="none"/>
       </a:style>
     </a:txDef>
   </a:objectDefaults>
+  <a:extraClrSchemeLst/>
 </a:theme>
 </file>
--- a/unit-1-sem-1/calendar.pptx
+++ b/unit-1-sem-1/calendar.pptx
@@ -3450,7 +3450,7 @@
           </a:ln>
           <a:extLst>
             <a:ext uri="{C572A759-6A51-4108-AA02-DFA0A04FC94B}">
-              <ma14:wrappingTextBoxFlag xmlns:ma14="http://schemas.microsoft.com/office/mac/drawingml/2011/main" xmlns:a14="http://schemas.microsoft.com/office/drawing/2010/main" xmlns:m="http://schemas.openxmlformats.org/officeDocument/2006/math" xmlns="" val="1"/>
+              <ma14:wrappingTextBoxFlag xmlns="" xmlns:m="http://schemas.openxmlformats.org/officeDocument/2006/math" xmlns:a14="http://schemas.microsoft.com/office/drawing/2010/main" xmlns:ma14="http://schemas.microsoft.com/office/mac/drawingml/2011/main" val="1"/>
             </a:ext>
           </a:extLst>
         </p:spPr>
@@ -3487,7 +3487,7 @@
           </a:ln>
           <a:extLst>
             <a:ext uri="{C572A759-6A51-4108-AA02-DFA0A04FC94B}">
-              <ma14:wrappingTextBoxFlag xmlns:ma14="http://schemas.microsoft.com/office/mac/drawingml/2011/main" xmlns:a14="http://schemas.microsoft.com/office/drawing/2010/main" xmlns:m="http://schemas.openxmlformats.org/officeDocument/2006/math" xmlns="" val="1"/>
+              <ma14:wrappingTextBoxFlag xmlns="" xmlns:m="http://schemas.openxmlformats.org/officeDocument/2006/math" xmlns:a14="http://schemas.microsoft.com/office/drawing/2010/main" xmlns:ma14="http://schemas.microsoft.com/office/mac/drawingml/2011/main" val="1"/>
             </a:ext>
           </a:extLst>
         </p:spPr>
@@ -4328,10 +4328,10 @@
       </p:grpSpPr>
       <p:pic>
         <p:nvPicPr>
-          <p:cNvPr id="5" name="Picture 4">
+          <p:cNvPr id="11" name="Picture 10">
             <a:extLst>
               <a:ext uri="{FF2B5EF4-FFF2-40B4-BE49-F238E27FC236}">
-                <a16:creationId xmlns:a16="http://schemas.microsoft.com/office/drawing/2014/main" id="{A19A9D75-F0CD-0861-0137-35BDD9A96A16}"/>
+                <a16:creationId xmlns:a16="http://schemas.microsoft.com/office/drawing/2014/main" id="{14F8F669-7AFF-A281-E015-0531829E1C82}"/>
               </a:ext>
             </a:extLst>
           </p:cNvPr>
@@ -4341,14 +4341,15 @@
           <p:nvPr/>
         </p:nvPicPr>
         <p:blipFill>
-          <a:blip r:embed="rId2"/>
-          <a:srcRect b="2548"/>
-          <a:stretch/>
+          <a:blip r:embed="rId3"/>
+          <a:stretch>
+            <a:fillRect/>
+          </a:stretch>
         </p:blipFill>
         <p:spPr>
           <a:xfrm>
-            <a:off x="11734337" y="0"/>
-            <a:ext cx="10033781" cy="13547131"/>
+            <a:off x="11671829" y="168869"/>
+            <a:ext cx="9747936" cy="13681101"/>
           </a:xfrm>
           <a:prstGeom prst="rect">
             <a:avLst/>
@@ -4419,7 +4420,7 @@
           <p:nvPr/>
         </p:nvPicPr>
         <p:blipFill>
-          <a:blip r:embed="rId3"/>
+          <a:blip r:embed="rId4"/>
           <a:stretch>
             <a:fillRect/>
           </a:stretch>
@@ -4452,7 +4453,7 @@
           <p:nvPr/>
         </p:nvPicPr>
         <p:blipFill>
-          <a:blip r:embed="rId4"/>
+          <a:blip r:embed="rId5"/>
           <a:stretch>
             <a:fillRect/>
           </a:stretch>
@@ -4485,7 +4486,7 @@
           <p:nvPr/>
         </p:nvPicPr>
         <p:blipFill>
-          <a:blip r:embed="rId5"/>
+          <a:blip r:embed="rId6"/>
           <a:stretch>
             <a:fillRect/>
           </a:stretch>
@@ -4518,7 +4519,7 @@
           <p:nvPr/>
         </p:nvPicPr>
         <p:blipFill>
-          <a:blip r:embed="rId6"/>
+          <a:blip r:embed="rId7"/>
           <a:stretch>
             <a:fillRect/>
           </a:stretch>
@@ -4737,7 +4738,7 @@
           <p:nvPr/>
         </p:nvPicPr>
         <p:blipFill>
-          <a:blip r:embed="rId7"/>
+          <a:blip r:embed="rId8"/>
           <a:stretch>
             <a:fillRect/>
           </a:stretch>
@@ -4767,7 +4768,7 @@
           <p:nvPr/>
         </p:nvPicPr>
         <p:blipFill>
-          <a:blip r:embed="rId8"/>
+          <a:blip r:embed="rId9"/>
           <a:stretch>
             <a:fillRect/>
           </a:stretch>
@@ -4833,7 +4834,7 @@
           </a:prstGeom>
           <a:extLst>
             <a:ext uri="{C572A759-6A51-4108-AA02-DFA0A04FC94B}">
-              <ma14:wrappingTextBoxFlag xmlns:ma14="http://schemas.microsoft.com/office/mac/drawingml/2011/main" xmlns:a14="http://schemas.microsoft.com/office/drawing/2010/main" xmlns:m="http://schemas.openxmlformats.org/officeDocument/2006/math" xmlns="" val="1"/>
+              <ma14:wrappingTextBoxFlag xmlns="" xmlns:m="http://schemas.openxmlformats.org/officeDocument/2006/math" xmlns:a14="http://schemas.microsoft.com/office/drawing/2010/main" xmlns:ma14="http://schemas.microsoft.com/office/mac/drawingml/2011/main" val="1"/>
             </a:ext>
           </a:extLst>
         </p:spPr>
@@ -4877,52 +4878,12 @@
           </a:p>
         </p:txBody>
       </p:sp>
-      <p:sp>
-        <p:nvSpPr>
-          <p:cNvPr id="173" name="Square"/>
-          <p:cNvSpPr/>
-          <p:nvPr/>
-        </p:nvSpPr>
-        <p:spPr>
-          <a:xfrm>
-            <a:off x="11557000" y="6228705"/>
-            <a:ext cx="1270000" cy="1270001"/>
-          </a:xfrm>
-          <a:prstGeom prst="rect">
-            <a:avLst/>
-          </a:prstGeom>
-          <a:solidFill>
-            <a:srgbClr val="000000"/>
-          </a:solidFill>
-          <a:ln w="3175">
-            <a:miter lim="400000"/>
-          </a:ln>
-        </p:spPr>
-        <p:txBody>
-          <a:bodyPr lIns="16073" tIns="16073" rIns="16073" bIns="16073" anchor="ctr"/>
-          <a:lstStyle/>
-          <a:p>
-            <a:pPr defTabSz="825500">
-              <a:defRPr sz="3000">
-                <a:solidFill>
-                  <a:srgbClr val="FFFFFF"/>
-                </a:solidFill>
-                <a:latin typeface="Helvetica Neue Medium"/>
-                <a:ea typeface="Helvetica Neue Medium"/>
-                <a:cs typeface="Helvetica Neue Medium"/>
-                <a:sym typeface="Helvetica Neue Medium"/>
-              </a:defRPr>
-            </a:pPr>
-            <a:endParaRPr/>
-          </a:p>
-        </p:txBody>
-      </p:sp>
       <p:pic>
         <p:nvPicPr>
-          <p:cNvPr id="3" name="Picture 2">
+          <p:cNvPr id="4" name="Picture 3">
             <a:extLst>
               <a:ext uri="{FF2B5EF4-FFF2-40B4-BE49-F238E27FC236}">
-                <a16:creationId xmlns:a16="http://schemas.microsoft.com/office/drawing/2014/main" id="{B619360C-BE57-AFC9-78DB-5E5627D6BBFE}"/>
+                <a16:creationId xmlns:a16="http://schemas.microsoft.com/office/drawing/2014/main" id="{2EE580AB-C284-2D7C-FC0C-8088436B1872}"/>
               </a:ext>
             </a:extLst>
           </p:cNvPr>
@@ -4939,8 +4900,8 @@
         </p:blipFill>
         <p:spPr>
           <a:xfrm>
-            <a:off x="57665" y="2863585"/>
-            <a:ext cx="23627647" cy="7988829"/>
+            <a:off x="315593" y="2242820"/>
+            <a:ext cx="24983107" cy="8013700"/>
           </a:xfrm>
           <a:prstGeom prst="rect">
             <a:avLst/>
@@ -5022,7 +4983,7 @@
           </a:prstGeom>
           <a:extLst>
             <a:ext uri="{C572A759-6A51-4108-AA02-DFA0A04FC94B}">
-              <ma14:wrappingTextBoxFlag xmlns:ma14="http://schemas.microsoft.com/office/mac/drawingml/2011/main" xmlns:a14="http://schemas.microsoft.com/office/drawing/2010/main" xmlns:m="http://schemas.openxmlformats.org/officeDocument/2006/math" xmlns="" val="1"/>
+              <ma14:wrappingTextBoxFlag xmlns="" xmlns:m="http://schemas.openxmlformats.org/officeDocument/2006/math" xmlns:a14="http://schemas.microsoft.com/office/drawing/2010/main" xmlns:ma14="http://schemas.microsoft.com/office/mac/drawingml/2011/main" val="1"/>
             </a:ext>
           </a:extLst>
         </p:spPr>

--- a/unit-1-sem-1/calendar.pptx
+++ b/unit-1-sem-1/calendar.pptx
@@ -3450,7 +3450,7 @@
           </a:ln>
           <a:extLst>
             <a:ext uri="{C572A759-6A51-4108-AA02-DFA0A04FC94B}">
-              <ma14:wrappingTextBoxFlag xmlns="" xmlns:m="http://schemas.openxmlformats.org/officeDocument/2006/math" xmlns:a14="http://schemas.microsoft.com/office/drawing/2010/main" xmlns:ma14="http://schemas.microsoft.com/office/mac/drawingml/2011/main" val="1"/>
+              <ma14:wrappingTextBoxFlag xmlns:ma14="http://schemas.microsoft.com/office/mac/drawingml/2011/main" xmlns:a14="http://schemas.microsoft.com/office/drawing/2010/main" xmlns:m="http://schemas.openxmlformats.org/officeDocument/2006/math" xmlns="" val="1"/>
             </a:ext>
           </a:extLst>
         </p:spPr>
@@ -3487,7 +3487,7 @@
           </a:ln>
           <a:extLst>
             <a:ext uri="{C572A759-6A51-4108-AA02-DFA0A04FC94B}">
-              <ma14:wrappingTextBoxFlag xmlns="" xmlns:m="http://schemas.openxmlformats.org/officeDocument/2006/math" xmlns:a14="http://schemas.microsoft.com/office/drawing/2010/main" xmlns:ma14="http://schemas.microsoft.com/office/mac/drawingml/2011/main" val="1"/>
+              <ma14:wrappingTextBoxFlag xmlns:ma14="http://schemas.microsoft.com/office/mac/drawingml/2011/main" xmlns:a14="http://schemas.microsoft.com/office/drawing/2010/main" xmlns:m="http://schemas.openxmlformats.org/officeDocument/2006/math" xmlns="" val="1"/>
             </a:ext>
           </a:extLst>
         </p:spPr>
@@ -4328,10 +4328,10 @@
       </p:grpSpPr>
       <p:pic>
         <p:nvPicPr>
-          <p:cNvPr id="11" name="Picture 10">
+          <p:cNvPr id="7" name="Picture 6">
             <a:extLst>
               <a:ext uri="{FF2B5EF4-FFF2-40B4-BE49-F238E27FC236}">
-                <a16:creationId xmlns:a16="http://schemas.microsoft.com/office/drawing/2014/main" id="{14F8F669-7AFF-A281-E015-0531829E1C82}"/>
+                <a16:creationId xmlns:a16="http://schemas.microsoft.com/office/drawing/2014/main" id="{7CE1AB92-8265-4C11-5386-A70166D5120F}"/>
               </a:ext>
             </a:extLst>
           </p:cNvPr>
@@ -4341,15 +4341,14 @@
           <p:nvPr/>
         </p:nvPicPr>
         <p:blipFill>
-          <a:blip r:embed="rId3"/>
-          <a:stretch>
-            <a:fillRect/>
-          </a:stretch>
+          <a:blip r:embed="rId2"/>
+          <a:srcRect b="2539"/>
+          <a:stretch/>
         </p:blipFill>
         <p:spPr>
           <a:xfrm>
-            <a:off x="11671829" y="168869"/>
-            <a:ext cx="9747936" cy="13681101"/>
+            <a:off x="11502620" y="-61455"/>
+            <a:ext cx="10069046" cy="13608586"/>
           </a:xfrm>
           <a:prstGeom prst="rect">
             <a:avLst/>
@@ -4420,7 +4419,7 @@
           <p:nvPr/>
         </p:nvPicPr>
         <p:blipFill>
-          <a:blip r:embed="rId4"/>
+          <a:blip r:embed="rId3"/>
           <a:stretch>
             <a:fillRect/>
           </a:stretch>
@@ -4453,14 +4452,14 @@
           <p:nvPr/>
         </p:nvPicPr>
         <p:blipFill>
-          <a:blip r:embed="rId5"/>
+          <a:blip r:embed="rId4"/>
           <a:stretch>
             <a:fillRect/>
           </a:stretch>
         </p:blipFill>
         <p:spPr>
           <a:xfrm>
-            <a:off x="8052328" y="1753316"/>
+            <a:off x="7883119" y="1753316"/>
             <a:ext cx="3619501" cy="5664201"/>
           </a:xfrm>
           <a:prstGeom prst="rect">
@@ -4486,7 +4485,7 @@
           <p:nvPr/>
         </p:nvPicPr>
         <p:blipFill>
-          <a:blip r:embed="rId6"/>
+          <a:blip r:embed="rId5"/>
           <a:stretch>
             <a:fillRect/>
           </a:stretch>
@@ -4519,7 +4518,7 @@
           <p:nvPr/>
         </p:nvPicPr>
         <p:blipFill>
-          <a:blip r:embed="rId7"/>
+          <a:blip r:embed="rId6"/>
           <a:stretch>
             <a:fillRect/>
           </a:stretch>
@@ -4738,7 +4737,7 @@
           <p:nvPr/>
         </p:nvPicPr>
         <p:blipFill>
-          <a:blip r:embed="rId8"/>
+          <a:blip r:embed="rId7"/>
           <a:stretch>
             <a:fillRect/>
           </a:stretch>
@@ -4768,7 +4767,7 @@
           <p:nvPr/>
         </p:nvPicPr>
         <p:blipFill>
-          <a:blip r:embed="rId9"/>
+          <a:blip r:embed="rId8"/>
           <a:stretch>
             <a:fillRect/>
           </a:stretch>
@@ -4834,7 +4833,7 @@
           </a:prstGeom>
           <a:extLst>
             <a:ext uri="{C572A759-6A51-4108-AA02-DFA0A04FC94B}">
-              <ma14:wrappingTextBoxFlag xmlns="" xmlns:m="http://schemas.openxmlformats.org/officeDocument/2006/math" xmlns:a14="http://schemas.microsoft.com/office/drawing/2010/main" xmlns:ma14="http://schemas.microsoft.com/office/mac/drawingml/2011/main" val="1"/>
+              <ma14:wrappingTextBoxFlag xmlns:ma14="http://schemas.microsoft.com/office/mac/drawingml/2011/main" xmlns:a14="http://schemas.microsoft.com/office/drawing/2010/main" xmlns:m="http://schemas.openxmlformats.org/officeDocument/2006/math" xmlns="" val="1"/>
             </a:ext>
           </a:extLst>
         </p:spPr>
@@ -4983,7 +4982,7 @@
           </a:prstGeom>
           <a:extLst>
             <a:ext uri="{C572A759-6A51-4108-AA02-DFA0A04FC94B}">
-              <ma14:wrappingTextBoxFlag xmlns="" xmlns:m="http://schemas.openxmlformats.org/officeDocument/2006/math" xmlns:a14="http://schemas.microsoft.com/office/drawing/2010/main" xmlns:ma14="http://schemas.microsoft.com/office/mac/drawingml/2011/main" val="1"/>
+              <ma14:wrappingTextBoxFlag xmlns:ma14="http://schemas.microsoft.com/office/mac/drawingml/2011/main" xmlns:a14="http://schemas.microsoft.com/office/drawing/2010/main" xmlns:m="http://schemas.openxmlformats.org/officeDocument/2006/math" xmlns="" val="1"/>
             </a:ext>
           </a:extLst>
         </p:spPr>
